--- a/f2e.pptx
+++ b/f2e.pptx
@@ -150,7 +150,7 @@
   </p:defaultTextStyle>
   <p:extLst>
     <p:ext uri="{EFAFB233-063F-42B5-8137-9DF3F51BA10A}">
-      <p15:sldGuideLst xmlns="" xmlns:p15="http://schemas.microsoft.com/office/powerpoint/2012/main">
+      <p15:sldGuideLst xmlns:p15="http://schemas.microsoft.com/office/powerpoint/2012/main" xmlns="">
         <p15:guide id="1" orient="horz" pos="2160">
           <p15:clr>
             <a:srgbClr val="A4A3A4"/>
@@ -164,7 +164,7 @@
       </p15:sldGuideLst>
     </p:ext>
     <p:ext uri="{2D200454-40CA-4A62-9FC3-DE9A4176ACB9}">
-      <p15:notesGuideLst xmlns="" xmlns:p15="http://schemas.microsoft.com/office/powerpoint/2012/main">
+      <p15:notesGuideLst xmlns:p15="http://schemas.microsoft.com/office/powerpoint/2012/main" xmlns="">
         <p15:guide id="1" orient="horz" pos="2880">
           <p15:clr>
             <a:srgbClr val="A4A3A4"/>
@@ -433,7 +433,7 @@
     </p:spTree>
     <p:extLst>
       <p:ext uri="{BB962C8B-B14F-4D97-AF65-F5344CB8AC3E}">
-        <p14:creationId xmlns:p14="http://schemas.microsoft.com/office/powerpoint/2010/main" xmlns="" val="1426996892"/>
+        <p14:creationId xmlns="" xmlns:p14="http://schemas.microsoft.com/office/powerpoint/2010/main" val="1426996892"/>
       </p:ext>
     </p:extLst>
   </p:cSld>
@@ -861,7 +861,7 @@
     </p:spTree>
     <p:extLst>
       <p:ext uri="{BB962C8B-B14F-4D97-AF65-F5344CB8AC3E}">
-        <p14:creationId xmlns:p14="http://schemas.microsoft.com/office/powerpoint/2010/main" xmlns="" val="3532854442"/>
+        <p14:creationId xmlns="" xmlns:p14="http://schemas.microsoft.com/office/powerpoint/2010/main" val="3532854442"/>
       </p:ext>
     </p:extLst>
   </p:cSld>
@@ -1201,7 +1201,7 @@
     </p:spTree>
     <p:extLst>
       <p:ext uri="{BB962C8B-B14F-4D97-AF65-F5344CB8AC3E}">
-        <p14:creationId xmlns:p14="http://schemas.microsoft.com/office/powerpoint/2010/main" xmlns="" val="1053123560"/>
+        <p14:creationId xmlns="" xmlns:p14="http://schemas.microsoft.com/office/powerpoint/2010/main" val="1053123560"/>
       </p:ext>
     </p:extLst>
   </p:cSld>
@@ -1680,7 +1680,7 @@
     </p:spTree>
     <p:extLst>
       <p:ext uri="{BB962C8B-B14F-4D97-AF65-F5344CB8AC3E}">
-        <p14:creationId xmlns:p14="http://schemas.microsoft.com/office/powerpoint/2010/main" xmlns="" val="1161878193"/>
+        <p14:creationId xmlns="" xmlns:p14="http://schemas.microsoft.com/office/powerpoint/2010/main" val="1161878193"/>
       </p:ext>
     </p:extLst>
   </p:cSld>
@@ -1942,7 +1942,7 @@
     </p:spTree>
     <p:extLst>
       <p:ext uri="{BB962C8B-B14F-4D97-AF65-F5344CB8AC3E}">
-        <p14:creationId xmlns:p14="http://schemas.microsoft.com/office/powerpoint/2010/main" xmlns="" val="2653122642"/>
+        <p14:creationId xmlns="" xmlns:p14="http://schemas.microsoft.com/office/powerpoint/2010/main" val="2653122642"/>
       </p:ext>
     </p:extLst>
   </p:cSld>
@@ -2340,7 +2340,7 @@
     </p:spTree>
     <p:extLst>
       <p:ext uri="{BB962C8B-B14F-4D97-AF65-F5344CB8AC3E}">
-        <p14:creationId xmlns:p14="http://schemas.microsoft.com/office/powerpoint/2010/main" xmlns="" val="1646008819"/>
+        <p14:creationId xmlns="" xmlns:p14="http://schemas.microsoft.com/office/powerpoint/2010/main" val="1646008819"/>
       </p:ext>
     </p:extLst>
   </p:cSld>
@@ -2662,7 +2662,7 @@
     </p:spTree>
     <p:extLst>
       <p:ext uri="{BB962C8B-B14F-4D97-AF65-F5344CB8AC3E}">
-        <p14:creationId xmlns:p14="http://schemas.microsoft.com/office/powerpoint/2010/main" xmlns="" val="2000241850"/>
+        <p14:creationId xmlns="" xmlns:p14="http://schemas.microsoft.com/office/powerpoint/2010/main" val="2000241850"/>
       </p:ext>
     </p:extLst>
   </p:cSld>
@@ -2916,7 +2916,7 @@
     </p:spTree>
     <p:extLst>
       <p:ext uri="{BB962C8B-B14F-4D97-AF65-F5344CB8AC3E}">
-        <p14:creationId xmlns:p14="http://schemas.microsoft.com/office/powerpoint/2010/main" xmlns="" val="751042341"/>
+        <p14:creationId xmlns="" xmlns:p14="http://schemas.microsoft.com/office/powerpoint/2010/main" val="751042341"/>
       </p:ext>
     </p:extLst>
   </p:cSld>
@@ -3180,7 +3180,7 @@
     </p:spTree>
     <p:extLst>
       <p:ext uri="{BB962C8B-B14F-4D97-AF65-F5344CB8AC3E}">
-        <p14:creationId xmlns:p14="http://schemas.microsoft.com/office/powerpoint/2010/main" xmlns="" val="3218961559"/>
+        <p14:creationId xmlns="" xmlns:p14="http://schemas.microsoft.com/office/powerpoint/2010/main" val="3218961559"/>
       </p:ext>
     </p:extLst>
   </p:cSld>
@@ -3444,7 +3444,7 @@
     </p:spTree>
     <p:extLst>
       <p:ext uri="{BB962C8B-B14F-4D97-AF65-F5344CB8AC3E}">
-        <p14:creationId xmlns:p14="http://schemas.microsoft.com/office/powerpoint/2010/main" xmlns="" val="3698267149"/>
+        <p14:creationId xmlns="" xmlns:p14="http://schemas.microsoft.com/office/powerpoint/2010/main" val="3698267149"/>
       </p:ext>
     </p:extLst>
   </p:cSld>
@@ -3787,7 +3787,7 @@
     </p:spTree>
     <p:extLst>
       <p:ext uri="{BB962C8B-B14F-4D97-AF65-F5344CB8AC3E}">
-        <p14:creationId xmlns:p14="http://schemas.microsoft.com/office/powerpoint/2010/main" xmlns="" val="2519279574"/>
+        <p14:creationId xmlns="" xmlns:p14="http://schemas.microsoft.com/office/powerpoint/2010/main" val="2519279574"/>
       </p:ext>
     </p:extLst>
   </p:cSld>
@@ -4112,7 +4112,7 @@
     </p:spTree>
     <p:extLst>
       <p:ext uri="{BB962C8B-B14F-4D97-AF65-F5344CB8AC3E}">
-        <p14:creationId xmlns:p14="http://schemas.microsoft.com/office/powerpoint/2010/main" xmlns="" val="813282500"/>
+        <p14:creationId xmlns="" xmlns:p14="http://schemas.microsoft.com/office/powerpoint/2010/main" val="813282500"/>
       </p:ext>
     </p:extLst>
   </p:cSld>
@@ -4571,7 +4571,7 @@
     </p:spTree>
     <p:extLst>
       <p:ext uri="{BB962C8B-B14F-4D97-AF65-F5344CB8AC3E}">
-        <p14:creationId xmlns:p14="http://schemas.microsoft.com/office/powerpoint/2010/main" xmlns="" val="470762905"/>
+        <p14:creationId xmlns="" xmlns:p14="http://schemas.microsoft.com/office/powerpoint/2010/main" val="470762905"/>
       </p:ext>
     </p:extLst>
   </p:cSld>
@@ -4773,7 +4773,7 @@
     </p:spTree>
     <p:extLst>
       <p:ext uri="{BB962C8B-B14F-4D97-AF65-F5344CB8AC3E}">
-        <p14:creationId xmlns:p14="http://schemas.microsoft.com/office/powerpoint/2010/main" xmlns="" val="4235962758"/>
+        <p14:creationId xmlns="" xmlns:p14="http://schemas.microsoft.com/office/powerpoint/2010/main" val="4235962758"/>
       </p:ext>
     </p:extLst>
   </p:cSld>
@@ -4952,7 +4952,7 @@
     </p:spTree>
     <p:extLst>
       <p:ext uri="{BB962C8B-B14F-4D97-AF65-F5344CB8AC3E}">
-        <p14:creationId xmlns:p14="http://schemas.microsoft.com/office/powerpoint/2010/main" xmlns="" val="2927660735"/>
+        <p14:creationId xmlns="" xmlns:p14="http://schemas.microsoft.com/office/powerpoint/2010/main" val="2927660735"/>
       </p:ext>
     </p:extLst>
   </p:cSld>
@@ -5287,7 +5287,7 @@
     </p:spTree>
     <p:extLst>
       <p:ext uri="{BB962C8B-B14F-4D97-AF65-F5344CB8AC3E}">
-        <p14:creationId xmlns:p14="http://schemas.microsoft.com/office/powerpoint/2010/main" xmlns="" val="2874359585"/>
+        <p14:creationId xmlns="" xmlns:p14="http://schemas.microsoft.com/office/powerpoint/2010/main" val="2874359585"/>
       </p:ext>
     </p:extLst>
   </p:cSld>
@@ -5639,7 +5639,7 @@
     </p:spTree>
     <p:extLst>
       <p:ext uri="{BB962C8B-B14F-4D97-AF65-F5344CB8AC3E}">
-        <p14:creationId xmlns:p14="http://schemas.microsoft.com/office/powerpoint/2010/main" xmlns="" val="2263322506"/>
+        <p14:creationId xmlns="" xmlns:p14="http://schemas.microsoft.com/office/powerpoint/2010/main" val="2263322506"/>
       </p:ext>
     </p:extLst>
   </p:cSld>
@@ -7705,7 +7705,7 @@
     </p:spTree>
     <p:extLst>
       <p:ext uri="{BB962C8B-B14F-4D97-AF65-F5344CB8AC3E}">
-        <p14:creationId xmlns:p14="http://schemas.microsoft.com/office/powerpoint/2010/main" xmlns="" val="2942235036"/>
+        <p14:creationId xmlns="" xmlns:p14="http://schemas.microsoft.com/office/powerpoint/2010/main" val="2942235036"/>
       </p:ext>
     </p:extLst>
   </p:cSld>
@@ -8192,17 +8192,12 @@
             </a:r>
             <a:r>
               <a:rPr lang="zh-TW" altLang="en-US" dirty="0" smtClean="0"/>
-              <a:t>者：</a:t>
-            </a:r>
-            <a:r>
-              <a:rPr lang="zh-TW" altLang="en-US" dirty="0" smtClean="0"/>
-              <a:t>葉世一 </a:t>
+              <a:t>者：葉世一 </a:t>
             </a:r>
             <a:r>
               <a:rPr lang="en-US" altLang="zh-TW" dirty="0" smtClean="0"/>
               <a:t>(Cosmo)</a:t>
             </a:r>
-            <a:endParaRPr lang="en-US" altLang="zh-TW" dirty="0" smtClean="0"/>
           </a:p>
           <a:p>
             <a:r>
@@ -8216,7 +8211,7 @@
     </p:spTree>
     <p:extLst>
       <p:ext uri="{BB962C8B-B14F-4D97-AF65-F5344CB8AC3E}">
-        <p14:creationId xmlns:p14="http://schemas.microsoft.com/office/powerpoint/2010/main" xmlns="" val="1593891449"/>
+        <p14:creationId xmlns="" xmlns:p14="http://schemas.microsoft.com/office/powerpoint/2010/main" val="1593891449"/>
       </p:ext>
     </p:extLst>
   </p:cSld>
@@ -8340,7 +8335,7 @@
     </p:spTree>
     <p:extLst>
       <p:ext uri="{BB962C8B-B14F-4D97-AF65-F5344CB8AC3E}">
-        <p14:creationId xmlns:p14="http://schemas.microsoft.com/office/powerpoint/2010/main" xmlns="" val="344410515"/>
+        <p14:creationId xmlns="" xmlns:p14="http://schemas.microsoft.com/office/powerpoint/2010/main" val="344410515"/>
       </p:ext>
     </p:extLst>
   </p:cSld>
@@ -8514,7 +8509,7 @@
           <a:blip r:embed="rId2">
             <a:extLst>
               <a:ext uri="{28A0092B-C50C-407E-A947-70E740481C1C}">
-                <a14:useLocalDpi xmlns:a14="http://schemas.microsoft.com/office/drawing/2010/main" xmlns="" val="0"/>
+                <a14:useLocalDpi xmlns="" xmlns:a14="http://schemas.microsoft.com/office/drawing/2010/main" val="0"/>
               </a:ext>
             </a:extLst>
           </a:blip>
@@ -8538,14 +8533,14 @@
           <a:effectLst/>
           <a:extLst>
             <a:ext uri="{909E8E84-426E-40DD-AFC4-6F175D3DCCD1}">
-              <a14:hiddenFill xmlns:a14="http://schemas.microsoft.com/office/drawing/2010/main" xmlns="">
+              <a14:hiddenFill xmlns="" xmlns:a14="http://schemas.microsoft.com/office/drawing/2010/main">
                 <a:solidFill>
                   <a:schemeClr val="accent1"/>
                 </a:solidFill>
               </a14:hiddenFill>
             </a:ext>
             <a:ext uri="{91240B29-F687-4F45-9708-019B960494DF}">
-              <a14:hiddenLine xmlns:a14="http://schemas.microsoft.com/office/drawing/2010/main" xmlns="" w="9525">
+              <a14:hiddenLine xmlns="" xmlns:a14="http://schemas.microsoft.com/office/drawing/2010/main" w="9525">
                 <a:solidFill>
                   <a:schemeClr val="tx1"/>
                 </a:solidFill>
@@ -8555,7 +8550,7 @@
               </a14:hiddenLine>
             </a:ext>
             <a:ext uri="{AF507438-7753-43E0-B8FC-AC1667EBCBE1}">
-              <a14:hiddenEffects xmlns:a14="http://schemas.microsoft.com/office/drawing/2010/main" xmlns="">
+              <a14:hiddenEffects xmlns="" xmlns:a14="http://schemas.microsoft.com/office/drawing/2010/main">
                 <a:effectLst>
                   <a:outerShdw dist="35921" dir="2700000" algn="ctr" rotWithShape="0">
                     <a:schemeClr val="bg2"/>
@@ -8569,7 +8564,7 @@
     </p:spTree>
     <p:extLst>
       <p:ext uri="{BB962C8B-B14F-4D97-AF65-F5344CB8AC3E}">
-        <p14:creationId xmlns:p14="http://schemas.microsoft.com/office/powerpoint/2010/main" xmlns="" val="3213803542"/>
+        <p14:creationId xmlns="" xmlns:p14="http://schemas.microsoft.com/office/powerpoint/2010/main" val="3213803542"/>
       </p:ext>
     </p:extLst>
   </p:cSld>
@@ -8696,7 +8691,7 @@
     </p:spTree>
     <p:extLst>
       <p:ext uri="{BB962C8B-B14F-4D97-AF65-F5344CB8AC3E}">
-        <p14:creationId xmlns:p14="http://schemas.microsoft.com/office/powerpoint/2010/main" xmlns="" val="1694818015"/>
+        <p14:creationId xmlns="" xmlns:p14="http://schemas.microsoft.com/office/powerpoint/2010/main" val="1694818015"/>
       </p:ext>
     </p:extLst>
   </p:cSld>
@@ -8795,7 +8790,7 @@
     </p:spTree>
     <p:extLst>
       <p:ext uri="{BB962C8B-B14F-4D97-AF65-F5344CB8AC3E}">
-        <p14:creationId xmlns:p14="http://schemas.microsoft.com/office/powerpoint/2010/main" xmlns="" val="335544228"/>
+        <p14:creationId xmlns="" xmlns:p14="http://schemas.microsoft.com/office/powerpoint/2010/main" val="335544228"/>
       </p:ext>
     </p:extLst>
   </p:cSld>
@@ -8894,7 +8889,7 @@
     </p:spTree>
     <p:extLst>
       <p:ext uri="{BB962C8B-B14F-4D97-AF65-F5344CB8AC3E}">
-        <p14:creationId xmlns:p14="http://schemas.microsoft.com/office/powerpoint/2010/main" xmlns="" val="3939553108"/>
+        <p14:creationId xmlns="" xmlns:p14="http://schemas.microsoft.com/office/powerpoint/2010/main" val="3939553108"/>
       </p:ext>
     </p:extLst>
   </p:cSld>
@@ -9021,7 +9016,7 @@
           <a:noFill/>
           <a:extLst>
             <a:ext uri="{909E8E84-426E-40DD-AFC4-6F175D3DCCD1}">
-              <a14:hiddenFill xmlns:a14="http://schemas.microsoft.com/office/drawing/2010/main" xmlns="">
+              <a14:hiddenFill xmlns="" xmlns:a14="http://schemas.microsoft.com/office/drawing/2010/main">
                 <a:solidFill>
                   <a:srgbClr val="FFFFFF"/>
                 </a:solidFill>
@@ -9060,7 +9055,7 @@
           <a:noFill/>
           <a:extLst>
             <a:ext uri="{909E8E84-426E-40DD-AFC4-6F175D3DCCD1}">
-              <a14:hiddenFill xmlns:a14="http://schemas.microsoft.com/office/drawing/2010/main" xmlns="">
+              <a14:hiddenFill xmlns="" xmlns:a14="http://schemas.microsoft.com/office/drawing/2010/main">
                 <a:solidFill>
                   <a:srgbClr val="FFFFFF"/>
                 </a:solidFill>
@@ -9092,7 +9087,7 @@
           <a:blip r:embed="rId2">
             <a:extLst>
               <a:ext uri="{28A0092B-C50C-407E-A947-70E740481C1C}">
-                <a14:useLocalDpi xmlns:a14="http://schemas.microsoft.com/office/drawing/2010/main" xmlns="" val="0"/>
+                <a14:useLocalDpi xmlns="" xmlns:a14="http://schemas.microsoft.com/office/drawing/2010/main" val="0"/>
               </a:ext>
             </a:extLst>
           </a:blip>
@@ -9116,14 +9111,14 @@
           <a:effectLst/>
           <a:extLst>
             <a:ext uri="{909E8E84-426E-40DD-AFC4-6F175D3DCCD1}">
-              <a14:hiddenFill xmlns:a14="http://schemas.microsoft.com/office/drawing/2010/main" xmlns="">
+              <a14:hiddenFill xmlns="" xmlns:a14="http://schemas.microsoft.com/office/drawing/2010/main">
                 <a:solidFill>
                   <a:schemeClr val="accent1"/>
                 </a:solidFill>
               </a14:hiddenFill>
             </a:ext>
             <a:ext uri="{91240B29-F687-4F45-9708-019B960494DF}">
-              <a14:hiddenLine xmlns:a14="http://schemas.microsoft.com/office/drawing/2010/main" xmlns="" w="9525">
+              <a14:hiddenLine xmlns="" xmlns:a14="http://schemas.microsoft.com/office/drawing/2010/main" w="9525">
                 <a:solidFill>
                   <a:schemeClr val="tx1"/>
                 </a:solidFill>
@@ -9133,7 +9128,7 @@
               </a14:hiddenLine>
             </a:ext>
             <a:ext uri="{AF507438-7753-43E0-B8FC-AC1667EBCBE1}">
-              <a14:hiddenEffects xmlns:a14="http://schemas.microsoft.com/office/drawing/2010/main" xmlns="">
+              <a14:hiddenEffects xmlns="" xmlns:a14="http://schemas.microsoft.com/office/drawing/2010/main">
                 <a:effectLst>
                   <a:outerShdw dist="35921" dir="2700000" algn="ctr" rotWithShape="0">
                     <a:schemeClr val="bg2"/>
@@ -9147,7 +9142,7 @@
     </p:spTree>
     <p:extLst>
       <p:ext uri="{BB962C8B-B14F-4D97-AF65-F5344CB8AC3E}">
-        <p14:creationId xmlns:p14="http://schemas.microsoft.com/office/powerpoint/2010/main" xmlns="" val="3086119632"/>
+        <p14:creationId xmlns="" xmlns:p14="http://schemas.microsoft.com/office/powerpoint/2010/main" val="3086119632"/>
       </p:ext>
     </p:extLst>
   </p:cSld>
@@ -9282,7 +9277,7 @@
     </p:spTree>
     <p:extLst>
       <p:ext uri="{BB962C8B-B14F-4D97-AF65-F5344CB8AC3E}">
-        <p14:creationId xmlns:p14="http://schemas.microsoft.com/office/powerpoint/2010/main" xmlns="" val="1316158017"/>
+        <p14:creationId xmlns="" xmlns:p14="http://schemas.microsoft.com/office/powerpoint/2010/main" val="1316158017"/>
       </p:ext>
     </p:extLst>
   </p:cSld>
@@ -9459,11 +9454,7 @@
           <a:p>
             <a:r>
               <a:rPr lang="en-US" altLang="zh-TW" dirty="0" smtClean="0"/>
-              <a:t>DOM(Document </a:t>
-            </a:r>
-            <a:r>
-              <a:rPr lang="en-US" altLang="zh-TW" dirty="0" smtClean="0"/>
-              <a:t>Object Model)</a:t>
+              <a:t>DOM(Document Object Model)</a:t>
             </a:r>
           </a:p>
           <a:p>
@@ -9519,7 +9510,7 @@
     </p:spTree>
     <p:extLst>
       <p:ext uri="{BB962C8B-B14F-4D97-AF65-F5344CB8AC3E}">
-        <p14:creationId xmlns:p14="http://schemas.microsoft.com/office/powerpoint/2010/main" xmlns="" val="1528891432"/>
+        <p14:creationId xmlns="" xmlns:p14="http://schemas.microsoft.com/office/powerpoint/2010/main" val="1528891432"/>
       </p:ext>
     </p:extLst>
   </p:cSld>
@@ -9619,7 +9610,7 @@
           <a:blip r:embed="rId2">
             <a:extLst>
               <a:ext uri="{28A0092B-C50C-407E-A947-70E740481C1C}">
-                <a14:useLocalDpi xmlns:a14="http://schemas.microsoft.com/office/drawing/2010/main" xmlns="" val="0"/>
+                <a14:useLocalDpi xmlns="" xmlns:a14="http://schemas.microsoft.com/office/drawing/2010/main" val="0"/>
               </a:ext>
             </a:extLst>
           </a:blip>
@@ -9643,14 +9634,14 @@
           <a:effectLst/>
           <a:extLst>
             <a:ext uri="{909E8E84-426E-40DD-AFC4-6F175D3DCCD1}">
-              <a14:hiddenFill xmlns:a14="http://schemas.microsoft.com/office/drawing/2010/main" xmlns="">
+              <a14:hiddenFill xmlns="" xmlns:a14="http://schemas.microsoft.com/office/drawing/2010/main">
                 <a:solidFill>
                   <a:schemeClr val="accent1"/>
                 </a:solidFill>
               </a14:hiddenFill>
             </a:ext>
             <a:ext uri="{91240B29-F687-4F45-9708-019B960494DF}">
-              <a14:hiddenLine xmlns:a14="http://schemas.microsoft.com/office/drawing/2010/main" xmlns="" w="9525">
+              <a14:hiddenLine xmlns="" xmlns:a14="http://schemas.microsoft.com/office/drawing/2010/main" w="9525">
                 <a:solidFill>
                   <a:schemeClr val="tx1"/>
                 </a:solidFill>
@@ -9660,7 +9651,7 @@
               </a14:hiddenLine>
             </a:ext>
             <a:ext uri="{AF507438-7753-43E0-B8FC-AC1667EBCBE1}">
-              <a14:hiddenEffects xmlns:a14="http://schemas.microsoft.com/office/drawing/2010/main" xmlns="">
+              <a14:hiddenEffects xmlns="" xmlns:a14="http://schemas.microsoft.com/office/drawing/2010/main">
                 <a:effectLst>
                   <a:outerShdw dist="35921" dir="2700000" algn="ctr" rotWithShape="0">
                     <a:schemeClr val="bg2"/>
@@ -9674,7 +9665,7 @@
     </p:spTree>
     <p:extLst>
       <p:ext uri="{BB962C8B-B14F-4D97-AF65-F5344CB8AC3E}">
-        <p14:creationId xmlns:p14="http://schemas.microsoft.com/office/powerpoint/2010/main" xmlns="" val="1901487873"/>
+        <p14:creationId xmlns="" xmlns:p14="http://schemas.microsoft.com/office/powerpoint/2010/main" val="1901487873"/>
       </p:ext>
     </p:extLst>
   </p:cSld>
@@ -9774,7 +9765,7 @@
           <a:blip r:embed="rId2">
             <a:extLst>
               <a:ext uri="{28A0092B-C50C-407E-A947-70E740481C1C}">
-                <a14:useLocalDpi xmlns:a14="http://schemas.microsoft.com/office/drawing/2010/main" xmlns="" val="0"/>
+                <a14:useLocalDpi xmlns="" xmlns:a14="http://schemas.microsoft.com/office/drawing/2010/main" val="0"/>
               </a:ext>
             </a:extLst>
           </a:blip>
@@ -9794,7 +9785,7 @@
           <a:noFill/>
           <a:extLst>
             <a:ext uri="{909E8E84-426E-40DD-AFC4-6F175D3DCCD1}">
-              <a14:hiddenFill xmlns:a14="http://schemas.microsoft.com/office/drawing/2010/main" xmlns="">
+              <a14:hiddenFill xmlns="" xmlns:a14="http://schemas.microsoft.com/office/drawing/2010/main">
                 <a:solidFill>
                   <a:srgbClr val="FFFFFF"/>
                 </a:solidFill>
@@ -9806,7 +9797,7 @@
     </p:spTree>
     <p:extLst>
       <p:ext uri="{BB962C8B-B14F-4D97-AF65-F5344CB8AC3E}">
-        <p14:creationId xmlns:p14="http://schemas.microsoft.com/office/powerpoint/2010/main" xmlns="" val="235152123"/>
+        <p14:creationId xmlns="" xmlns:p14="http://schemas.microsoft.com/office/powerpoint/2010/main" val="235152123"/>
       </p:ext>
     </p:extLst>
   </p:cSld>
@@ -9913,7 +9904,7 @@
           <a:noFill/>
           <a:extLst>
             <a:ext uri="{909E8E84-426E-40DD-AFC4-6F175D3DCCD1}">
-              <a14:hiddenFill xmlns:a14="http://schemas.microsoft.com/office/drawing/2010/main" xmlns="">
+              <a14:hiddenFill xmlns="" xmlns:a14="http://schemas.microsoft.com/office/drawing/2010/main">
                 <a:solidFill>
                   <a:srgbClr val="FFFFFF"/>
                 </a:solidFill>
@@ -9945,7 +9936,7 @@
           <a:blip r:embed="rId2">
             <a:extLst>
               <a:ext uri="{28A0092B-C50C-407E-A947-70E740481C1C}">
-                <a14:useLocalDpi xmlns:a14="http://schemas.microsoft.com/office/drawing/2010/main" xmlns="" val="0"/>
+                <a14:useLocalDpi xmlns="" xmlns:a14="http://schemas.microsoft.com/office/drawing/2010/main" val="0"/>
               </a:ext>
             </a:extLst>
           </a:blip>
@@ -9966,7 +9957,7 @@
     </p:spTree>
     <p:extLst>
       <p:ext uri="{BB962C8B-B14F-4D97-AF65-F5344CB8AC3E}">
-        <p14:creationId xmlns:p14="http://schemas.microsoft.com/office/powerpoint/2010/main" xmlns="" val="2723619631"/>
+        <p14:creationId xmlns="" xmlns:p14="http://schemas.microsoft.com/office/powerpoint/2010/main" val="2723619631"/>
       </p:ext>
     </p:extLst>
   </p:cSld>
@@ -10082,7 +10073,7 @@
           <a:blip r:embed="rId2">
             <a:extLst>
               <a:ext uri="{28A0092B-C50C-407E-A947-70E740481C1C}">
-                <a14:useLocalDpi xmlns:a14="http://schemas.microsoft.com/office/drawing/2010/main" xmlns="" val="0"/>
+                <a14:useLocalDpi xmlns="" xmlns:a14="http://schemas.microsoft.com/office/drawing/2010/main" val="0"/>
               </a:ext>
             </a:extLst>
           </a:blip>
@@ -10106,14 +10097,14 @@
           <a:effectLst/>
           <a:extLst>
             <a:ext uri="{909E8E84-426E-40DD-AFC4-6F175D3DCCD1}">
-              <a14:hiddenFill xmlns:a14="http://schemas.microsoft.com/office/drawing/2010/main" xmlns="">
+              <a14:hiddenFill xmlns="" xmlns:a14="http://schemas.microsoft.com/office/drawing/2010/main">
                 <a:solidFill>
                   <a:schemeClr val="accent1"/>
                 </a:solidFill>
               </a14:hiddenFill>
             </a:ext>
             <a:ext uri="{91240B29-F687-4F45-9708-019B960494DF}">
-              <a14:hiddenLine xmlns:a14="http://schemas.microsoft.com/office/drawing/2010/main" xmlns="" w="9525">
+              <a14:hiddenLine xmlns="" xmlns:a14="http://schemas.microsoft.com/office/drawing/2010/main" w="9525">
                 <a:solidFill>
                   <a:schemeClr val="tx1"/>
                 </a:solidFill>
@@ -10123,7 +10114,7 @@
               </a14:hiddenLine>
             </a:ext>
             <a:ext uri="{AF507438-7753-43E0-B8FC-AC1667EBCBE1}">
-              <a14:hiddenEffects xmlns:a14="http://schemas.microsoft.com/office/drawing/2010/main" xmlns="">
+              <a14:hiddenEffects xmlns="" xmlns:a14="http://schemas.microsoft.com/office/drawing/2010/main">
                 <a:effectLst>
                   <a:outerShdw dist="35921" dir="2700000" algn="ctr" rotWithShape="0">
                     <a:schemeClr val="bg2"/>
@@ -10137,7 +10128,7 @@
     </p:spTree>
     <p:extLst>
       <p:ext uri="{BB962C8B-B14F-4D97-AF65-F5344CB8AC3E}">
-        <p14:creationId xmlns:p14="http://schemas.microsoft.com/office/powerpoint/2010/main" xmlns="" val="2511325244"/>
+        <p14:creationId xmlns="" xmlns:p14="http://schemas.microsoft.com/office/powerpoint/2010/main" val="2511325244"/>
       </p:ext>
     </p:extLst>
   </p:cSld>
@@ -10247,11 +10238,7 @@
             </a:r>
             <a:r>
               <a:rPr lang="zh-TW" altLang="en-US" dirty="0" smtClean="0"/>
-              <a:t>互動</a:t>
-            </a:r>
-            <a:r>
-              <a:rPr lang="zh-TW" altLang="en-US" dirty="0" smtClean="0"/>
-              <a:t>過程越快</a:t>
+              <a:t>互動過程越快</a:t>
             </a:r>
             <a:endParaRPr lang="en-US" altLang="zh-TW" dirty="0" smtClean="0"/>
           </a:p>
@@ -10373,7 +10360,7 @@
     </p:spTree>
     <p:extLst>
       <p:ext uri="{BB962C8B-B14F-4D97-AF65-F5344CB8AC3E}">
-        <p14:creationId xmlns:p14="http://schemas.microsoft.com/office/powerpoint/2010/main" xmlns="" val="1530819064"/>
+        <p14:creationId xmlns="" xmlns:p14="http://schemas.microsoft.com/office/powerpoint/2010/main" val="1530819064"/>
       </p:ext>
     </p:extLst>
   </p:cSld>
@@ -10748,7 +10735,7 @@
     </p:spTree>
     <p:extLst>
       <p:ext uri="{BB962C8B-B14F-4D97-AF65-F5344CB8AC3E}">
-        <p14:creationId xmlns:p14="http://schemas.microsoft.com/office/powerpoint/2010/main" xmlns="" val="1665523770"/>
+        <p14:creationId xmlns="" xmlns:p14="http://schemas.microsoft.com/office/powerpoint/2010/main" val="1665523770"/>
       </p:ext>
     </p:extLst>
   </p:cSld>
@@ -10826,7 +10813,7 @@
           <p:nvPr>
             <p:extLst>
               <p:ext uri="{D42A27DB-BD31-4B8C-83A1-F6EECF244321}">
-                <p14:modId xmlns:p14="http://schemas.microsoft.com/office/powerpoint/2010/main" xmlns="" val="2254038776"/>
+                <p14:modId xmlns="" xmlns:p14="http://schemas.microsoft.com/office/powerpoint/2010/main" val="2254038776"/>
               </p:ext>
             </p:extLst>
           </p:nvPr>
@@ -11582,7 +11569,7 @@
     </p:spTree>
     <p:extLst>
       <p:ext uri="{BB962C8B-B14F-4D97-AF65-F5344CB8AC3E}">
-        <p14:creationId xmlns:p14="http://schemas.microsoft.com/office/powerpoint/2010/main" xmlns="" val="2823900155"/>
+        <p14:creationId xmlns="" xmlns:p14="http://schemas.microsoft.com/office/powerpoint/2010/main" val="2823900155"/>
       </p:ext>
     </p:extLst>
   </p:cSld>
@@ -11634,11 +11621,7 @@
             </a:r>
             <a:r>
               <a:rPr lang="zh-TW" altLang="en-US" dirty="0" smtClean="0"/>
-              <a:t> </a:t>
-            </a:r>
-            <a:r>
-              <a:rPr lang="zh-TW" altLang="en-US" dirty="0" smtClean="0"/>
-              <a:t>範例</a:t>
+              <a:t> 範例</a:t>
             </a:r>
             <a:endParaRPr lang="zh-TW" altLang="en-US" dirty="0"/>
           </a:p>
@@ -11932,7 +11915,7 @@
     </p:spTree>
     <p:extLst>
       <p:ext uri="{BB962C8B-B14F-4D97-AF65-F5344CB8AC3E}">
-        <p14:creationId xmlns:p14="http://schemas.microsoft.com/office/powerpoint/2010/main" xmlns="" val="2055112300"/>
+        <p14:creationId xmlns="" xmlns:p14="http://schemas.microsoft.com/office/powerpoint/2010/main" val="2055112300"/>
       </p:ext>
     </p:extLst>
   </p:cSld>
@@ -12108,15 +12091,7 @@
             </a:br>
             <a:r>
               <a:rPr lang="zh-TW" altLang="en-US" dirty="0" smtClean="0"/>
-              <a:t>當</a:t>
-            </a:r>
-            <a:r>
-              <a:rPr lang="zh-TW" altLang="en-US" dirty="0" smtClean="0"/>
-              <a:t>滑鼠移動</a:t>
-            </a:r>
-            <a:r>
-              <a:rPr lang="zh-TW" altLang="en-US" dirty="0" smtClean="0"/>
-              <a:t>到</a:t>
+              <a:t>當滑鼠移動到</a:t>
             </a:r>
             <a:r>
               <a:rPr lang="en-US" altLang="zh-TW" dirty="0" smtClean="0"/>
@@ -12173,7 +12148,7 @@
     </p:spTree>
     <p:extLst>
       <p:ext uri="{BB962C8B-B14F-4D97-AF65-F5344CB8AC3E}">
-        <p14:creationId xmlns:p14="http://schemas.microsoft.com/office/powerpoint/2010/main" xmlns="" val="1494273745"/>
+        <p14:creationId xmlns="" xmlns:p14="http://schemas.microsoft.com/office/powerpoint/2010/main" val="1494273745"/>
       </p:ext>
     </p:extLst>
   </p:cSld>
@@ -12286,23 +12261,7 @@
             </a:r>
             <a:r>
               <a:rPr lang="zh-TW" altLang="en-US" dirty="0" smtClean="0"/>
-              <a:t>元素</a:t>
-            </a:r>
-            <a:r>
-              <a:rPr lang="zh-TW" altLang="en-US" dirty="0" smtClean="0"/>
-              <a:t>內，起始</a:t>
-            </a:r>
-            <a:r>
-              <a:rPr lang="zh-TW" altLang="en-US" dirty="0" smtClean="0"/>
-              <a:t>位置</a:t>
-            </a:r>
-            <a:r>
-              <a:rPr lang="zh-TW" altLang="en-US" dirty="0" smtClean="0"/>
-              <a:t>添加</a:t>
-            </a:r>
-            <a:r>
-              <a:rPr lang="zh-TW" altLang="en-US" dirty="0" smtClean="0"/>
-              <a:t>偽元素</a:t>
+              <a:t>元素內，起始位置添加偽元素</a:t>
             </a:r>
             <a:endParaRPr lang="zh-TW" altLang="en-US" dirty="0"/>
           </a:p>
@@ -12314,19 +12273,7 @@
             </a:r>
             <a:r>
               <a:rPr lang="zh-TW" altLang="en-US" dirty="0" smtClean="0"/>
-              <a:t> 在目標元素</a:t>
-            </a:r>
-            <a:r>
-              <a:rPr lang="zh-TW" altLang="en-US" dirty="0" smtClean="0"/>
-              <a:t>內，</a:t>
-            </a:r>
-            <a:r>
-              <a:rPr lang="zh-TW" altLang="en-US" dirty="0" smtClean="0"/>
-              <a:t>末端位置添加偽</a:t>
-            </a:r>
-            <a:r>
-              <a:rPr lang="zh-TW" altLang="en-US" dirty="0" smtClean="0"/>
-              <a:t>元素</a:t>
+              <a:t> 在目標元素內，末端位置添加偽元素</a:t>
             </a:r>
             <a:endParaRPr lang="en-US" altLang="zh-TW" dirty="0" smtClean="0"/>
           </a:p>
@@ -12374,11 +12321,6 @@
               </a:rPr>
               <a:t>::after</a:t>
             </a:r>
-            <a:endParaRPr lang="en-US" altLang="zh-TW" b="1" dirty="0" smtClean="0">
-              <a:solidFill>
-                <a:srgbClr val="FF0000"/>
-              </a:solidFill>
-            </a:endParaRPr>
           </a:p>
           <a:p>
             <a:pPr lvl="1">
@@ -12386,15 +12328,7 @@
             </a:pPr>
             <a:r>
               <a:rPr lang="en-US" altLang="zh-TW" dirty="0" smtClean="0"/>
-              <a:t>&lt;/</a:t>
-            </a:r>
-            <a:r>
-              <a:rPr lang="en-US" altLang="zh-TW" dirty="0" smtClean="0"/>
-              <a:t> element </a:t>
-            </a:r>
-            <a:r>
-              <a:rPr lang="en-US" altLang="zh-TW" dirty="0" smtClean="0"/>
-              <a:t>&gt;</a:t>
+              <a:t>&lt;/ element &gt;</a:t>
             </a:r>
           </a:p>
           <a:p>
@@ -12763,7 +12697,7 @@
     </p:spTree>
     <p:extLst>
       <p:ext uri="{BB962C8B-B14F-4D97-AF65-F5344CB8AC3E}">
-        <p14:creationId xmlns:p14="http://schemas.microsoft.com/office/powerpoint/2010/main" xmlns="" val="756806088"/>
+        <p14:creationId xmlns="" xmlns:p14="http://schemas.microsoft.com/office/powerpoint/2010/main" val="756806088"/>
       </p:ext>
     </p:extLst>
   </p:cSld>
@@ -13000,19 +12934,7 @@
               <a:rPr lang="en-US" altLang="zh-TW" dirty="0" smtClean="0">
                 <a:hlinkClick r:id="rId2"/>
               </a:rPr>
-              <a:t>http</a:t>
-            </a:r>
-            <a:r>
-              <a:rPr lang="en-US" altLang="zh-TW" dirty="0" smtClean="0">
-                <a:hlinkClick r:id="rId2"/>
-              </a:rPr>
-              <a:t>://</a:t>
-            </a:r>
-            <a:r>
-              <a:rPr lang="en-US" altLang="zh-TW" dirty="0" smtClean="0">
-                <a:hlinkClick r:id="rId2"/>
-              </a:rPr>
-              <a:t>www.w3schools.com/cssref/css_selectors.asp</a:t>
+              <a:t>http://www.w3schools.com/cssref/css_selectors.asp</a:t>
             </a:r>
             <a:endParaRPr lang="en-US" altLang="zh-TW" dirty="0" smtClean="0"/>
           </a:p>
@@ -13216,7 +13138,7 @@
     </p:spTree>
     <p:extLst>
       <p:ext uri="{BB962C8B-B14F-4D97-AF65-F5344CB8AC3E}">
-        <p14:creationId xmlns:p14="http://schemas.microsoft.com/office/powerpoint/2010/main" xmlns="" val="3019609235"/>
+        <p14:creationId xmlns="" xmlns:p14="http://schemas.microsoft.com/office/powerpoint/2010/main" val="3019609235"/>
       </p:ext>
     </p:extLst>
   </p:cSld>
@@ -13365,7 +13287,7 @@
     </p:spTree>
     <p:extLst>
       <p:ext uri="{BB962C8B-B14F-4D97-AF65-F5344CB8AC3E}">
-        <p14:creationId xmlns:p14="http://schemas.microsoft.com/office/powerpoint/2010/main" xmlns="" val="3932979170"/>
+        <p14:creationId xmlns="" xmlns:p14="http://schemas.microsoft.com/office/powerpoint/2010/main" val="3932979170"/>
       </p:ext>
     </p:extLst>
   </p:cSld>
@@ -13485,7 +13407,7 @@
           <a:blip r:embed="rId2">
             <a:extLst>
               <a:ext uri="{28A0092B-C50C-407E-A947-70E740481C1C}">
-                <a14:useLocalDpi xmlns:a14="http://schemas.microsoft.com/office/drawing/2010/main" xmlns="" val="0"/>
+                <a14:useLocalDpi xmlns="" xmlns:a14="http://schemas.microsoft.com/office/drawing/2010/main" val="0"/>
               </a:ext>
             </a:extLst>
           </a:blip>
@@ -13509,14 +13431,14 @@
           <a:effectLst/>
           <a:extLst>
             <a:ext uri="{909E8E84-426E-40DD-AFC4-6F175D3DCCD1}">
-              <a14:hiddenFill xmlns:a14="http://schemas.microsoft.com/office/drawing/2010/main" xmlns="">
+              <a14:hiddenFill xmlns="" xmlns:a14="http://schemas.microsoft.com/office/drawing/2010/main">
                 <a:solidFill>
                   <a:schemeClr val="accent1"/>
                 </a:solidFill>
               </a14:hiddenFill>
             </a:ext>
             <a:ext uri="{91240B29-F687-4F45-9708-019B960494DF}">
-              <a14:hiddenLine xmlns:a14="http://schemas.microsoft.com/office/drawing/2010/main" xmlns="" w="9525">
+              <a14:hiddenLine xmlns="" xmlns:a14="http://schemas.microsoft.com/office/drawing/2010/main" w="9525">
                 <a:solidFill>
                   <a:schemeClr val="tx1"/>
                 </a:solidFill>
@@ -13526,7 +13448,7 @@
               </a14:hiddenLine>
             </a:ext>
             <a:ext uri="{AF507438-7753-43E0-B8FC-AC1667EBCBE1}">
-              <a14:hiddenEffects xmlns:a14="http://schemas.microsoft.com/office/drawing/2010/main" xmlns="">
+              <a14:hiddenEffects xmlns="" xmlns:a14="http://schemas.microsoft.com/office/drawing/2010/main">
                 <a:effectLst>
                   <a:outerShdw dist="35921" dir="2700000" algn="ctr" rotWithShape="0">
                     <a:schemeClr val="bg2"/>
@@ -13540,7 +13462,7 @@
     </p:spTree>
     <p:extLst>
       <p:ext uri="{BB962C8B-B14F-4D97-AF65-F5344CB8AC3E}">
-        <p14:creationId xmlns:p14="http://schemas.microsoft.com/office/powerpoint/2010/main" xmlns="" val="4198504723"/>
+        <p14:creationId xmlns="" xmlns:p14="http://schemas.microsoft.com/office/powerpoint/2010/main" val="4198504723"/>
       </p:ext>
     </p:extLst>
   </p:cSld>
@@ -13663,7 +13585,7 @@
     </p:spTree>
     <p:extLst>
       <p:ext uri="{BB962C8B-B14F-4D97-AF65-F5344CB8AC3E}">
-        <p14:creationId xmlns:p14="http://schemas.microsoft.com/office/powerpoint/2010/main" xmlns="" val="3739510910"/>
+        <p14:creationId xmlns="" xmlns:p14="http://schemas.microsoft.com/office/powerpoint/2010/main" val="3739510910"/>
       </p:ext>
     </p:extLst>
   </p:cSld>
@@ -13726,7 +13648,7 @@
           <p:nvPr>
             <p:extLst>
               <p:ext uri="{D42A27DB-BD31-4B8C-83A1-F6EECF244321}">
-                <p14:modId xmlns:p14="http://schemas.microsoft.com/office/powerpoint/2010/main" xmlns="" val="435868035"/>
+                <p14:modId xmlns="" xmlns:p14="http://schemas.microsoft.com/office/powerpoint/2010/main" val="435868035"/>
               </p:ext>
             </p:extLst>
           </p:nvPr>
@@ -14220,7 +14142,7 @@
     </p:spTree>
     <p:extLst>
       <p:ext uri="{BB962C8B-B14F-4D97-AF65-F5344CB8AC3E}">
-        <p14:creationId xmlns:p14="http://schemas.microsoft.com/office/powerpoint/2010/main" xmlns="" val="1505101635"/>
+        <p14:creationId xmlns="" xmlns:p14="http://schemas.microsoft.com/office/powerpoint/2010/main" val="1505101635"/>
       </p:ext>
     </p:extLst>
   </p:cSld>
@@ -14303,7 +14225,7 @@
           <p:nvPr>
             <p:extLst>
               <p:ext uri="{D42A27DB-BD31-4B8C-83A1-F6EECF244321}">
-                <p14:modId xmlns:p14="http://schemas.microsoft.com/office/powerpoint/2010/main" xmlns="" val="1341892865"/>
+                <p14:modId xmlns="" xmlns:p14="http://schemas.microsoft.com/office/powerpoint/2010/main" val="1341892865"/>
               </p:ext>
             </p:extLst>
           </p:nvPr>
@@ -14683,7 +14605,7 @@
     </p:spTree>
     <p:extLst>
       <p:ext uri="{BB962C8B-B14F-4D97-AF65-F5344CB8AC3E}">
-        <p14:creationId xmlns:p14="http://schemas.microsoft.com/office/powerpoint/2010/main" xmlns="" val="3070481617"/>
+        <p14:creationId xmlns="" xmlns:p14="http://schemas.microsoft.com/office/powerpoint/2010/main" val="3070481617"/>
       </p:ext>
     </p:extLst>
   </p:cSld>
@@ -14727,11 +14649,7 @@
           <a:p>
             <a:r>
               <a:rPr lang="zh-TW" altLang="en-US" dirty="0" smtClean="0"/>
-              <a:t>實</a:t>
-            </a:r>
-            <a:r>
-              <a:rPr lang="zh-TW" altLang="en-US" dirty="0" smtClean="0"/>
-              <a:t>作 </a:t>
+              <a:t>實作 </a:t>
             </a:r>
             <a:r>
               <a:rPr lang="en-US" altLang="zh-TW" dirty="0" smtClean="0"/>
@@ -14880,7 +14798,7 @@
           <a:blip r:embed="rId2">
             <a:extLst>
               <a:ext uri="{28A0092B-C50C-407E-A947-70E740481C1C}">
-                <a14:useLocalDpi xmlns:a14="http://schemas.microsoft.com/office/drawing/2010/main" xmlns="" val="0"/>
+                <a14:useLocalDpi xmlns="" xmlns:a14="http://schemas.microsoft.com/office/drawing/2010/main" val="0"/>
               </a:ext>
             </a:extLst>
           </a:blip>
@@ -14904,14 +14822,14 @@
           <a:effectLst/>
           <a:extLst>
             <a:ext uri="{909E8E84-426E-40DD-AFC4-6F175D3DCCD1}">
-              <a14:hiddenFill xmlns:a14="http://schemas.microsoft.com/office/drawing/2010/main" xmlns="">
+              <a14:hiddenFill xmlns="" xmlns:a14="http://schemas.microsoft.com/office/drawing/2010/main">
                 <a:solidFill>
                   <a:schemeClr val="accent1"/>
                 </a:solidFill>
               </a14:hiddenFill>
             </a:ext>
             <a:ext uri="{91240B29-F687-4F45-9708-019B960494DF}">
-              <a14:hiddenLine xmlns:a14="http://schemas.microsoft.com/office/drawing/2010/main" xmlns="" w="9525">
+              <a14:hiddenLine xmlns="" xmlns:a14="http://schemas.microsoft.com/office/drawing/2010/main" w="9525">
                 <a:solidFill>
                   <a:schemeClr val="tx1"/>
                 </a:solidFill>
@@ -14921,7 +14839,7 @@
               </a14:hiddenLine>
             </a:ext>
             <a:ext uri="{AF507438-7753-43E0-B8FC-AC1667EBCBE1}">
-              <a14:hiddenEffects xmlns:a14="http://schemas.microsoft.com/office/drawing/2010/main" xmlns="">
+              <a14:hiddenEffects xmlns="" xmlns:a14="http://schemas.microsoft.com/office/drawing/2010/main">
                 <a:effectLst>
                   <a:outerShdw dist="35921" dir="2700000" algn="ctr" rotWithShape="0">
                     <a:schemeClr val="bg2"/>
@@ -14944,7 +14862,7 @@
           <a:blip r:embed="rId3">
             <a:extLst>
               <a:ext uri="{28A0092B-C50C-407E-A947-70E740481C1C}">
-                <a14:useLocalDpi xmlns:a14="http://schemas.microsoft.com/office/drawing/2010/main" xmlns="" val="0"/>
+                <a14:useLocalDpi xmlns="" xmlns:a14="http://schemas.microsoft.com/office/drawing/2010/main" val="0"/>
               </a:ext>
             </a:extLst>
           </a:blip>
@@ -14968,14 +14886,14 @@
           <a:effectLst/>
           <a:extLst>
             <a:ext uri="{909E8E84-426E-40DD-AFC4-6F175D3DCCD1}">
-              <a14:hiddenFill xmlns:a14="http://schemas.microsoft.com/office/drawing/2010/main" xmlns="">
+              <a14:hiddenFill xmlns="" xmlns:a14="http://schemas.microsoft.com/office/drawing/2010/main">
                 <a:solidFill>
                   <a:schemeClr val="accent1"/>
                 </a:solidFill>
               </a14:hiddenFill>
             </a:ext>
             <a:ext uri="{91240B29-F687-4F45-9708-019B960494DF}">
-              <a14:hiddenLine xmlns:a14="http://schemas.microsoft.com/office/drawing/2010/main" xmlns="" w="9525">
+              <a14:hiddenLine xmlns="" xmlns:a14="http://schemas.microsoft.com/office/drawing/2010/main" w="9525">
                 <a:solidFill>
                   <a:schemeClr val="tx1"/>
                 </a:solidFill>
@@ -14985,7 +14903,7 @@
               </a14:hiddenLine>
             </a:ext>
             <a:ext uri="{AF507438-7753-43E0-B8FC-AC1667EBCBE1}">
-              <a14:hiddenEffects xmlns:a14="http://schemas.microsoft.com/office/drawing/2010/main" xmlns="">
+              <a14:hiddenEffects xmlns="" xmlns:a14="http://schemas.microsoft.com/office/drawing/2010/main">
                 <a:effectLst>
                   <a:outerShdw dist="35921" dir="2700000" algn="ctr" rotWithShape="0">
                     <a:schemeClr val="bg2"/>
@@ -15039,7 +14957,7 @@
     </p:spTree>
     <p:extLst>
       <p:ext uri="{BB962C8B-B14F-4D97-AF65-F5344CB8AC3E}">
-        <p14:creationId xmlns:p14="http://schemas.microsoft.com/office/powerpoint/2010/main" xmlns="" val="2485777798"/>
+        <p14:creationId xmlns="" xmlns:p14="http://schemas.microsoft.com/office/powerpoint/2010/main" val="2485777798"/>
       </p:ext>
     </p:extLst>
   </p:cSld>
@@ -15150,15 +15068,7 @@
             </a:r>
             <a:r>
               <a:rPr lang="zh-TW" altLang="en-US" dirty="0" smtClean="0"/>
-              <a:t>負責的是外觀</a:t>
-            </a:r>
-            <a:r>
-              <a:rPr lang="zh-TW" altLang="en-US" dirty="0" smtClean="0"/>
-              <a:t>，涉及行為的部分就</a:t>
-            </a:r>
-            <a:r>
-              <a:rPr lang="zh-TW" altLang="en-US" dirty="0" smtClean="0"/>
-              <a:t>交給</a:t>
+              <a:t>負責的是外觀，涉及行為的部分就交給</a:t>
             </a:r>
             <a:r>
               <a:rPr lang="en-US" altLang="zh-TW" dirty="0" err="1" smtClean="0"/>
@@ -15184,7 +15094,7 @@
           <a:blip r:embed="rId2">
             <a:extLst>
               <a:ext uri="{28A0092B-C50C-407E-A947-70E740481C1C}">
-                <a14:useLocalDpi xmlns:a14="http://schemas.microsoft.com/office/drawing/2010/main" xmlns="" val="0"/>
+                <a14:useLocalDpi xmlns="" xmlns:a14="http://schemas.microsoft.com/office/drawing/2010/main" val="0"/>
               </a:ext>
             </a:extLst>
           </a:blip>
@@ -15208,14 +15118,14 @@
           <a:effectLst/>
           <a:extLst>
             <a:ext uri="{909E8E84-426E-40DD-AFC4-6F175D3DCCD1}">
-              <a14:hiddenFill xmlns:a14="http://schemas.microsoft.com/office/drawing/2010/main" xmlns="">
+              <a14:hiddenFill xmlns="" xmlns:a14="http://schemas.microsoft.com/office/drawing/2010/main">
                 <a:solidFill>
                   <a:schemeClr val="accent1"/>
                 </a:solidFill>
               </a14:hiddenFill>
             </a:ext>
             <a:ext uri="{91240B29-F687-4F45-9708-019B960494DF}">
-              <a14:hiddenLine xmlns:a14="http://schemas.microsoft.com/office/drawing/2010/main" xmlns="" w="9525">
+              <a14:hiddenLine xmlns="" xmlns:a14="http://schemas.microsoft.com/office/drawing/2010/main" w="9525">
                 <a:solidFill>
                   <a:schemeClr val="tx1"/>
                 </a:solidFill>
@@ -15225,7 +15135,7 @@
               </a14:hiddenLine>
             </a:ext>
             <a:ext uri="{AF507438-7753-43E0-B8FC-AC1667EBCBE1}">
-              <a14:hiddenEffects xmlns:a14="http://schemas.microsoft.com/office/drawing/2010/main" xmlns="">
+              <a14:hiddenEffects xmlns="" xmlns:a14="http://schemas.microsoft.com/office/drawing/2010/main">
                 <a:effectLst>
                   <a:outerShdw dist="35921" dir="2700000" algn="ctr" rotWithShape="0">
                     <a:schemeClr val="bg2"/>
@@ -15248,7 +15158,7 @@
           <a:blip r:embed="rId3">
             <a:extLst>
               <a:ext uri="{28A0092B-C50C-407E-A947-70E740481C1C}">
-                <a14:useLocalDpi xmlns:a14="http://schemas.microsoft.com/office/drawing/2010/main" xmlns="" val="0"/>
+                <a14:useLocalDpi xmlns="" xmlns:a14="http://schemas.microsoft.com/office/drawing/2010/main" val="0"/>
               </a:ext>
             </a:extLst>
           </a:blip>
@@ -15277,14 +15187,14 @@
           </a:effectLst>
           <a:extLst>
             <a:ext uri="{909E8E84-426E-40DD-AFC4-6F175D3DCCD1}">
-              <a14:hiddenFill xmlns:a14="http://schemas.microsoft.com/office/drawing/2010/main" xmlns="">
+              <a14:hiddenFill xmlns="" xmlns:a14="http://schemas.microsoft.com/office/drawing/2010/main">
                 <a:solidFill>
                   <a:schemeClr val="accent1"/>
                 </a:solidFill>
               </a14:hiddenFill>
             </a:ext>
             <a:ext uri="{91240B29-F687-4F45-9708-019B960494DF}">
-              <a14:hiddenLine xmlns:a14="http://schemas.microsoft.com/office/drawing/2010/main" xmlns="" w="9525">
+              <a14:hiddenLine xmlns="" xmlns:a14="http://schemas.microsoft.com/office/drawing/2010/main" w="9525">
                 <a:solidFill>
                   <a:schemeClr val="tx1"/>
                 </a:solidFill>
@@ -15294,7 +15204,7 @@
               </a14:hiddenLine>
             </a:ext>
             <a:ext uri="{AF507438-7753-43E0-B8FC-AC1667EBCBE1}">
-              <a14:hiddenEffects xmlns:a14="http://schemas.microsoft.com/office/drawing/2010/main" xmlns="">
+              <a14:hiddenEffects xmlns="" xmlns:a14="http://schemas.microsoft.com/office/drawing/2010/main">
                 <a:effectLst>
                   <a:outerShdw dist="35921" dir="2700000" algn="ctr" rotWithShape="0">
                     <a:schemeClr val="bg2"/>
@@ -15378,7 +15288,7 @@
     </p:spTree>
     <p:extLst>
       <p:ext uri="{BB962C8B-B14F-4D97-AF65-F5344CB8AC3E}">
-        <p14:creationId xmlns:p14="http://schemas.microsoft.com/office/powerpoint/2010/main" xmlns="" val="1452603476"/>
+        <p14:creationId xmlns="" xmlns:p14="http://schemas.microsoft.com/office/powerpoint/2010/main" val="1452603476"/>
       </p:ext>
     </p:extLst>
   </p:cSld>
@@ -15549,11 +15459,7 @@
           <a:p>
             <a:r>
               <a:rPr lang="zh-TW" altLang="en-US" dirty="0" smtClean="0"/>
-              <a:t>舞台準備好了，接下來就看戲怎麼「演</a:t>
-            </a:r>
-            <a:r>
-              <a:rPr lang="zh-TW" altLang="en-US" dirty="0" smtClean="0"/>
-              <a:t>」</a:t>
+              <a:t>舞台準備好了，接下來就看戲怎麼「演」</a:t>
             </a:r>
             <a:endParaRPr lang="en-US" altLang="zh-TW" dirty="0" smtClean="0"/>
           </a:p>
@@ -15565,7 +15471,7 @@
     </p:spTree>
     <p:extLst>
       <p:ext uri="{BB962C8B-B14F-4D97-AF65-F5344CB8AC3E}">
-        <p14:creationId xmlns:p14="http://schemas.microsoft.com/office/powerpoint/2010/main" xmlns="" val="2438108059"/>
+        <p14:creationId xmlns="" xmlns:p14="http://schemas.microsoft.com/office/powerpoint/2010/main" val="2438108059"/>
       </p:ext>
     </p:extLst>
   </p:cSld>
@@ -15729,12 +15635,16 @@
               <a:t>使用</a:t>
             </a:r>
             <a:r>
-              <a:rPr lang="en-US" altLang="zh-TW" dirty="0"/>
-              <a:t>AP</a:t>
-            </a:r>
-            <a:r>
-              <a:rPr lang="zh-TW" altLang="en-US" dirty="0" smtClean="0"/>
-              <a:t>對節點進行各種操作</a:t>
+              <a:rPr lang="en-US" altLang="zh-TW" dirty="0" smtClean="0"/>
+              <a:t>API</a:t>
+            </a:r>
+            <a:r>
+              <a:rPr lang="zh-TW" altLang="en-US" dirty="0" smtClean="0"/>
+              <a:t>對</a:t>
+            </a:r>
+            <a:r>
+              <a:rPr lang="zh-TW" altLang="en-US" dirty="0" smtClean="0"/>
+              <a:t>節點進行各種操作</a:t>
             </a:r>
             <a:endParaRPr lang="en-US" altLang="zh-TW" sz="1600" dirty="0" smtClean="0"/>
           </a:p>
@@ -15938,7 +15848,7 @@
     </p:spTree>
     <p:extLst>
       <p:ext uri="{BB962C8B-B14F-4D97-AF65-F5344CB8AC3E}">
-        <p14:creationId xmlns:p14="http://schemas.microsoft.com/office/powerpoint/2010/main" xmlns="" val="554325231"/>
+        <p14:creationId xmlns="" xmlns:p14="http://schemas.microsoft.com/office/powerpoint/2010/main" val="554325231"/>
       </p:ext>
     </p:extLst>
   </p:cSld>
@@ -16024,11 +15934,7 @@
           <a:p>
             <a:r>
               <a:rPr lang="zh-TW" altLang="en-US" dirty="0" smtClean="0"/>
-              <a:t>實務</a:t>
-            </a:r>
-            <a:r>
-              <a:rPr lang="zh-TW" altLang="en-US" dirty="0" smtClean="0"/>
-              <a:t>中最常見的問題</a:t>
+              <a:t>實務中最常見的問題</a:t>
             </a:r>
             <a:endParaRPr lang="en-US" altLang="zh-TW" dirty="0"/>
           </a:p>
@@ -16084,11 +15990,7 @@
             </a:r>
             <a:r>
               <a:rPr lang="zh-TW" altLang="en-US" dirty="0" smtClean="0"/>
-              <a:t>不足以應付</a:t>
-            </a:r>
-            <a:r>
-              <a:rPr lang="zh-TW" altLang="en-US" dirty="0" smtClean="0"/>
-              <a:t>需求</a:t>
+              <a:t>不足以應付需求</a:t>
             </a:r>
             <a:endParaRPr lang="en-US" altLang="zh-TW" dirty="0" smtClean="0"/>
           </a:p>
@@ -16098,15 +16000,7 @@
           <a:p>
             <a:r>
               <a:rPr lang="zh-TW" altLang="en-US" dirty="0" smtClean="0"/>
-              <a:t>使用</a:t>
-            </a:r>
-            <a:r>
-              <a:rPr lang="zh-TW" altLang="en-US" dirty="0" smtClean="0"/>
-              <a:t>現成</a:t>
-            </a:r>
-            <a:r>
-              <a:rPr lang="zh-TW" altLang="en-US" dirty="0" smtClean="0"/>
-              <a:t>的工具</a:t>
+              <a:t>使用現成的工具</a:t>
             </a:r>
             <a:r>
               <a:rPr lang="en-US" altLang="zh-TW" dirty="0" smtClean="0"/>
@@ -16158,7 +16052,7 @@
     </p:spTree>
     <p:extLst>
       <p:ext uri="{BB962C8B-B14F-4D97-AF65-F5344CB8AC3E}">
-        <p14:creationId xmlns:p14="http://schemas.microsoft.com/office/powerpoint/2010/main" xmlns="" val="2585877056"/>
+        <p14:creationId xmlns="" xmlns:p14="http://schemas.microsoft.com/office/powerpoint/2010/main" val="2585877056"/>
       </p:ext>
     </p:extLst>
   </p:cSld>
@@ -16241,22 +16135,14 @@
             </a:r>
             <a:r>
               <a:rPr lang="zh-TW" altLang="en-US" dirty="0" smtClean="0"/>
-              <a:t> 函式庫之</a:t>
-            </a:r>
-            <a:r>
-              <a:rPr lang="zh-TW" altLang="en-US" dirty="0" smtClean="0"/>
-              <a:t>一</a:t>
+              <a:t> 函式庫之一</a:t>
             </a:r>
             <a:endParaRPr lang="en-US" altLang="zh-TW" dirty="0" smtClean="0"/>
           </a:p>
           <a:p>
             <a:r>
               <a:rPr lang="zh-TW" altLang="en-US" dirty="0" smtClean="0"/>
-              <a:t>使用</a:t>
-            </a:r>
-            <a:r>
-              <a:rPr lang="zh-TW" altLang="en-US" dirty="0" smtClean="0"/>
-              <a:t>目的：</a:t>
+              <a:t>使用目的：</a:t>
             </a:r>
             <a:endParaRPr lang="en-US" altLang="zh-TW" dirty="0" smtClean="0"/>
           </a:p>
@@ -16378,7 +16264,7 @@
     </p:spTree>
     <p:extLst>
       <p:ext uri="{BB962C8B-B14F-4D97-AF65-F5344CB8AC3E}">
-        <p14:creationId xmlns:p14="http://schemas.microsoft.com/office/powerpoint/2010/main" xmlns="" val="2770615682"/>
+        <p14:creationId xmlns="" xmlns:p14="http://schemas.microsoft.com/office/powerpoint/2010/main" val="2770615682"/>
       </p:ext>
     </p:extLst>
   </p:cSld>
@@ -16475,15 +16361,7 @@
             </a:r>
             <a:r>
               <a:rPr lang="zh-TW" altLang="en-US" dirty="0" smtClean="0"/>
-              <a:t>按鈕，被點擊後，</a:t>
-            </a:r>
-            <a:r>
-              <a:rPr lang="zh-TW" altLang="en-US" dirty="0" smtClean="0"/>
-              <a:t>彈</a:t>
-            </a:r>
-            <a:r>
-              <a:rPr lang="zh-TW" altLang="en-US" dirty="0" smtClean="0"/>
-              <a:t>出「我已經被</a:t>
+              <a:t>按鈕，被點擊後，彈出「我已經被</a:t>
             </a:r>
             <a:r>
               <a:rPr lang="en-US" altLang="zh-TW" dirty="0" smtClean="0"/>
@@ -16527,7 +16405,7 @@
           <a:blip r:embed="rId2">
             <a:extLst>
               <a:ext uri="{28A0092B-C50C-407E-A947-70E740481C1C}">
-                <a14:useLocalDpi xmlns:a14="http://schemas.microsoft.com/office/drawing/2010/main" xmlns="" val="0"/>
+                <a14:useLocalDpi xmlns="" xmlns:a14="http://schemas.microsoft.com/office/drawing/2010/main" val="0"/>
               </a:ext>
             </a:extLst>
           </a:blip>
@@ -16551,14 +16429,14 @@
           <a:effectLst/>
           <a:extLst>
             <a:ext uri="{909E8E84-426E-40DD-AFC4-6F175D3DCCD1}">
-              <a14:hiddenFill xmlns:a14="http://schemas.microsoft.com/office/drawing/2010/main" xmlns="">
+              <a14:hiddenFill xmlns="" xmlns:a14="http://schemas.microsoft.com/office/drawing/2010/main">
                 <a:solidFill>
                   <a:schemeClr val="accent1"/>
                 </a:solidFill>
               </a14:hiddenFill>
             </a:ext>
             <a:ext uri="{91240B29-F687-4F45-9708-019B960494DF}">
-              <a14:hiddenLine xmlns:a14="http://schemas.microsoft.com/office/drawing/2010/main" xmlns="" w="9525">
+              <a14:hiddenLine xmlns="" xmlns:a14="http://schemas.microsoft.com/office/drawing/2010/main" w="9525">
                 <a:solidFill>
                   <a:schemeClr val="tx1"/>
                 </a:solidFill>
@@ -16568,7 +16446,7 @@
               </a14:hiddenLine>
             </a:ext>
             <a:ext uri="{AF507438-7753-43E0-B8FC-AC1667EBCBE1}">
-              <a14:hiddenEffects xmlns:a14="http://schemas.microsoft.com/office/drawing/2010/main" xmlns="">
+              <a14:hiddenEffects xmlns="" xmlns:a14="http://schemas.microsoft.com/office/drawing/2010/main">
                 <a:effectLst>
                   <a:outerShdw dist="35921" dir="2700000" algn="ctr" rotWithShape="0">
                     <a:schemeClr val="bg2"/>
@@ -16591,7 +16469,7 @@
           <a:blip r:embed="rId3">
             <a:extLst>
               <a:ext uri="{28A0092B-C50C-407E-A947-70E740481C1C}">
-                <a14:useLocalDpi xmlns:a14="http://schemas.microsoft.com/office/drawing/2010/main" xmlns="" val="0"/>
+                <a14:useLocalDpi xmlns="" xmlns:a14="http://schemas.microsoft.com/office/drawing/2010/main" val="0"/>
               </a:ext>
             </a:extLst>
           </a:blip>
@@ -16620,14 +16498,14 @@
           </a:effectLst>
           <a:extLst>
             <a:ext uri="{909E8E84-426E-40DD-AFC4-6F175D3DCCD1}">
-              <a14:hiddenFill xmlns:a14="http://schemas.microsoft.com/office/drawing/2010/main" xmlns="">
+              <a14:hiddenFill xmlns="" xmlns:a14="http://schemas.microsoft.com/office/drawing/2010/main">
                 <a:solidFill>
                   <a:schemeClr val="accent1"/>
                 </a:solidFill>
               </a14:hiddenFill>
             </a:ext>
             <a:ext uri="{91240B29-F687-4F45-9708-019B960494DF}">
-              <a14:hiddenLine xmlns:a14="http://schemas.microsoft.com/office/drawing/2010/main" xmlns="" w="9525">
+              <a14:hiddenLine xmlns="" xmlns:a14="http://schemas.microsoft.com/office/drawing/2010/main" w="9525">
                 <a:solidFill>
                   <a:schemeClr val="tx1"/>
                 </a:solidFill>
@@ -16637,7 +16515,7 @@
               </a14:hiddenLine>
             </a:ext>
             <a:ext uri="{AF507438-7753-43E0-B8FC-AC1667EBCBE1}">
-              <a14:hiddenEffects xmlns:a14="http://schemas.microsoft.com/office/drawing/2010/main" xmlns="">
+              <a14:hiddenEffects xmlns="" xmlns:a14="http://schemas.microsoft.com/office/drawing/2010/main">
                 <a:effectLst>
                   <a:outerShdw dist="35921" dir="2700000" algn="ctr" rotWithShape="0">
                     <a:schemeClr val="bg2"/>
@@ -16721,7 +16599,7 @@
     </p:spTree>
     <p:extLst>
       <p:ext uri="{BB962C8B-B14F-4D97-AF65-F5344CB8AC3E}">
-        <p14:creationId xmlns:p14="http://schemas.microsoft.com/office/powerpoint/2010/main" xmlns="" val="1452603476"/>
+        <p14:creationId xmlns="" xmlns:p14="http://schemas.microsoft.com/office/powerpoint/2010/main" val="1452603476"/>
       </p:ext>
     </p:extLst>
   </p:cSld>
@@ -16824,15 +16702,7 @@
           <a:p>
             <a:r>
               <a:rPr lang="zh-TW" altLang="en-US" dirty="0" smtClean="0"/>
-              <a:t>解決</a:t>
-            </a:r>
-            <a:r>
-              <a:rPr lang="zh-TW" altLang="en-US" dirty="0" smtClean="0"/>
-              <a:t>方法</a:t>
-            </a:r>
-            <a:r>
-              <a:rPr lang="zh-TW" altLang="en-US" dirty="0" smtClean="0"/>
-              <a:t>：</a:t>
+              <a:t>解決方法：</a:t>
             </a:r>
             <a:endParaRPr lang="en-US" altLang="zh-TW" dirty="0" smtClean="0"/>
           </a:p>
@@ -16900,19 +16770,11 @@
             </a:r>
             <a:r>
               <a:rPr lang="zh-TW" altLang="en-US" dirty="0" smtClean="0"/>
-              <a:t>變成</a:t>
-            </a:r>
-            <a:r>
-              <a:rPr lang="zh-TW" altLang="en-US" dirty="0" smtClean="0"/>
-              <a:t>透明 </a:t>
+              <a:t>變成透明 </a:t>
             </a:r>
             <a:r>
               <a:rPr lang="en-US" altLang="zh-TW" dirty="0" smtClean="0"/>
-              <a:t>(opacity</a:t>
-            </a:r>
-            <a:r>
-              <a:rPr lang="en-US" altLang="zh-TW" dirty="0" smtClean="0"/>
-              <a:t>)</a:t>
+              <a:t>(opacity)</a:t>
             </a:r>
             <a:r>
               <a:rPr lang="zh-TW" altLang="en-US" dirty="0" smtClean="0"/>
@@ -16977,15 +16839,7 @@
             <a:pPr marL="400050"/>
             <a:r>
               <a:rPr lang="zh-TW" altLang="en-US" dirty="0" smtClean="0"/>
-              <a:t>此問題若</a:t>
-            </a:r>
-            <a:r>
-              <a:rPr lang="zh-TW" altLang="en-US" dirty="0" smtClean="0"/>
-              <a:t>用後端</a:t>
-            </a:r>
-            <a:r>
-              <a:rPr lang="zh-TW" altLang="en-US" dirty="0" smtClean="0"/>
-              <a:t>處理，會是什麼狀況？</a:t>
+              <a:t>此問題若用後端處理，會是什麼狀況？</a:t>
             </a:r>
             <a:endParaRPr lang="zh-TW" altLang="en-US" dirty="0"/>
           </a:p>
@@ -17003,7 +16857,7 @@
           <a:blip r:embed="rId2">
             <a:extLst>
               <a:ext uri="{28A0092B-C50C-407E-A947-70E740481C1C}">
-                <a14:useLocalDpi xmlns:a14="http://schemas.microsoft.com/office/drawing/2010/main" xmlns="" val="0"/>
+                <a14:useLocalDpi xmlns="" xmlns:a14="http://schemas.microsoft.com/office/drawing/2010/main" val="0"/>
               </a:ext>
             </a:extLst>
           </a:blip>
@@ -17027,14 +16881,14 @@
           <a:effectLst/>
           <a:extLst>
             <a:ext uri="{909E8E84-426E-40DD-AFC4-6F175D3DCCD1}">
-              <a14:hiddenFill xmlns:a14="http://schemas.microsoft.com/office/drawing/2010/main" xmlns="">
+              <a14:hiddenFill xmlns="" xmlns:a14="http://schemas.microsoft.com/office/drawing/2010/main">
                 <a:solidFill>
                   <a:schemeClr val="accent1"/>
                 </a:solidFill>
               </a14:hiddenFill>
             </a:ext>
             <a:ext uri="{91240B29-F687-4F45-9708-019B960494DF}">
-              <a14:hiddenLine xmlns:a14="http://schemas.microsoft.com/office/drawing/2010/main" xmlns="" w="9525">
+              <a14:hiddenLine xmlns="" xmlns:a14="http://schemas.microsoft.com/office/drawing/2010/main" w="9525">
                 <a:solidFill>
                   <a:schemeClr val="tx1"/>
                 </a:solidFill>
@@ -17044,7 +16898,7 @@
               </a14:hiddenLine>
             </a:ext>
             <a:ext uri="{AF507438-7753-43E0-B8FC-AC1667EBCBE1}">
-              <a14:hiddenEffects xmlns:a14="http://schemas.microsoft.com/office/drawing/2010/main" xmlns="">
+              <a14:hiddenEffects xmlns="" xmlns:a14="http://schemas.microsoft.com/office/drawing/2010/main">
                 <a:effectLst>
                   <a:outerShdw dist="35921" dir="2700000" algn="ctr" rotWithShape="0">
                     <a:schemeClr val="bg2"/>
@@ -17107,7 +16961,7 @@
           <a:blip r:embed="rId2">
             <a:extLst>
               <a:ext uri="{28A0092B-C50C-407E-A947-70E740481C1C}">
-                <a14:useLocalDpi xmlns:a14="http://schemas.microsoft.com/office/drawing/2010/main" xmlns="" val="0"/>
+                <a14:useLocalDpi xmlns="" xmlns:a14="http://schemas.microsoft.com/office/drawing/2010/main" val="0"/>
               </a:ext>
             </a:extLst>
           </a:blip>
@@ -17131,14 +16985,14 @@
           <a:effectLst/>
           <a:extLst>
             <a:ext uri="{909E8E84-426E-40DD-AFC4-6F175D3DCCD1}">
-              <a14:hiddenFill xmlns:a14="http://schemas.microsoft.com/office/drawing/2010/main" xmlns="">
+              <a14:hiddenFill xmlns="" xmlns:a14="http://schemas.microsoft.com/office/drawing/2010/main">
                 <a:solidFill>
                   <a:schemeClr val="accent1"/>
                 </a:solidFill>
               </a14:hiddenFill>
             </a:ext>
             <a:ext uri="{91240B29-F687-4F45-9708-019B960494DF}">
-              <a14:hiddenLine xmlns:a14="http://schemas.microsoft.com/office/drawing/2010/main" xmlns="" w="9525">
+              <a14:hiddenLine xmlns="" xmlns:a14="http://schemas.microsoft.com/office/drawing/2010/main" w="9525">
                 <a:solidFill>
                   <a:schemeClr val="tx1"/>
                 </a:solidFill>
@@ -17148,7 +17002,7 @@
               </a14:hiddenLine>
             </a:ext>
             <a:ext uri="{AF507438-7753-43E0-B8FC-AC1667EBCBE1}">
-              <a14:hiddenEffects xmlns:a14="http://schemas.microsoft.com/office/drawing/2010/main" xmlns="">
+              <a14:hiddenEffects xmlns="" xmlns:a14="http://schemas.microsoft.com/office/drawing/2010/main">
                 <a:effectLst>
                   <a:outerShdw dist="35921" dir="2700000" algn="ctr" rotWithShape="0">
                     <a:schemeClr val="bg2"/>
@@ -17171,7 +17025,7 @@
           <a:blip r:embed="rId2">
             <a:extLst>
               <a:ext uri="{28A0092B-C50C-407E-A947-70E740481C1C}">
-                <a14:useLocalDpi xmlns:a14="http://schemas.microsoft.com/office/drawing/2010/main" xmlns="" val="0"/>
+                <a14:useLocalDpi xmlns="" xmlns:a14="http://schemas.microsoft.com/office/drawing/2010/main" val="0"/>
               </a:ext>
             </a:extLst>
           </a:blip>
@@ -17195,14 +17049,14 @@
           <a:effectLst/>
           <a:extLst>
             <a:ext uri="{909E8E84-426E-40DD-AFC4-6F175D3DCCD1}">
-              <a14:hiddenFill xmlns:a14="http://schemas.microsoft.com/office/drawing/2010/main" xmlns="">
+              <a14:hiddenFill xmlns="" xmlns:a14="http://schemas.microsoft.com/office/drawing/2010/main">
                 <a:solidFill>
                   <a:schemeClr val="accent1"/>
                 </a:solidFill>
               </a14:hiddenFill>
             </a:ext>
             <a:ext uri="{91240B29-F687-4F45-9708-019B960494DF}">
-              <a14:hiddenLine xmlns:a14="http://schemas.microsoft.com/office/drawing/2010/main" xmlns="" w="9525">
+              <a14:hiddenLine xmlns="" xmlns:a14="http://schemas.microsoft.com/office/drawing/2010/main" w="9525">
                 <a:solidFill>
                   <a:schemeClr val="tx1"/>
                 </a:solidFill>
@@ -17212,7 +17066,7 @@
               </a14:hiddenLine>
             </a:ext>
             <a:ext uri="{AF507438-7753-43E0-B8FC-AC1667EBCBE1}">
-              <a14:hiddenEffects xmlns:a14="http://schemas.microsoft.com/office/drawing/2010/main" xmlns="">
+              <a14:hiddenEffects xmlns="" xmlns:a14="http://schemas.microsoft.com/office/drawing/2010/main">
                 <a:effectLst>
                   <a:outerShdw dist="35921" dir="2700000" algn="ctr" rotWithShape="0">
                     <a:schemeClr val="bg2"/>
@@ -17280,7 +17134,7 @@
           <a:blip r:embed="rId2">
             <a:extLst>
               <a:ext uri="{28A0092B-C50C-407E-A947-70E740481C1C}">
-                <a14:useLocalDpi xmlns:a14="http://schemas.microsoft.com/office/drawing/2010/main" xmlns="" val="0"/>
+                <a14:useLocalDpi xmlns="" xmlns:a14="http://schemas.microsoft.com/office/drawing/2010/main" val="0"/>
               </a:ext>
             </a:extLst>
           </a:blip>
@@ -17304,14 +17158,14 @@
           <a:effectLst/>
           <a:extLst>
             <a:ext uri="{909E8E84-426E-40DD-AFC4-6F175D3DCCD1}">
-              <a14:hiddenFill xmlns:a14="http://schemas.microsoft.com/office/drawing/2010/main" xmlns="">
+              <a14:hiddenFill xmlns="" xmlns:a14="http://schemas.microsoft.com/office/drawing/2010/main">
                 <a:solidFill>
                   <a:schemeClr val="accent1"/>
                 </a:solidFill>
               </a14:hiddenFill>
             </a:ext>
             <a:ext uri="{91240B29-F687-4F45-9708-019B960494DF}">
-              <a14:hiddenLine xmlns:a14="http://schemas.microsoft.com/office/drawing/2010/main" xmlns="" w="9525">
+              <a14:hiddenLine xmlns="" xmlns:a14="http://schemas.microsoft.com/office/drawing/2010/main" w="9525">
                 <a:solidFill>
                   <a:schemeClr val="tx1"/>
                 </a:solidFill>
@@ -17321,7 +17175,7 @@
               </a14:hiddenLine>
             </a:ext>
             <a:ext uri="{AF507438-7753-43E0-B8FC-AC1667EBCBE1}">
-              <a14:hiddenEffects xmlns:a14="http://schemas.microsoft.com/office/drawing/2010/main" xmlns="">
+              <a14:hiddenEffects xmlns="" xmlns:a14="http://schemas.microsoft.com/office/drawing/2010/main">
                 <a:effectLst>
                   <a:outerShdw dist="35921" dir="2700000" algn="ctr" rotWithShape="0">
                     <a:schemeClr val="bg2"/>
@@ -17461,7 +17315,7 @@
           <a:blip r:embed="rId4">
             <a:extLst>
               <a:ext uri="{28A0092B-C50C-407E-A947-70E740481C1C}">
-                <a14:useLocalDpi xmlns:a14="http://schemas.microsoft.com/office/drawing/2010/main" xmlns="" val="0"/>
+                <a14:useLocalDpi xmlns="" xmlns:a14="http://schemas.microsoft.com/office/drawing/2010/main" val="0"/>
               </a:ext>
             </a:extLst>
           </a:blip>
@@ -17490,14 +17344,14 @@
           </a:effectLst>
           <a:extLst>
             <a:ext uri="{909E8E84-426E-40DD-AFC4-6F175D3DCCD1}">
-              <a14:hiddenFill xmlns:a14="http://schemas.microsoft.com/office/drawing/2010/main" xmlns="">
+              <a14:hiddenFill xmlns="" xmlns:a14="http://schemas.microsoft.com/office/drawing/2010/main">
                 <a:solidFill>
                   <a:schemeClr val="accent1"/>
                 </a:solidFill>
               </a14:hiddenFill>
             </a:ext>
             <a:ext uri="{91240B29-F687-4F45-9708-019B960494DF}">
-              <a14:hiddenLine xmlns:a14="http://schemas.microsoft.com/office/drawing/2010/main" xmlns="" w="9525">
+              <a14:hiddenLine xmlns="" xmlns:a14="http://schemas.microsoft.com/office/drawing/2010/main" w="9525">
                 <a:solidFill>
                   <a:schemeClr val="tx1"/>
                 </a:solidFill>
@@ -17507,7 +17361,7 @@
               </a14:hiddenLine>
             </a:ext>
             <a:ext uri="{AF507438-7753-43E0-B8FC-AC1667EBCBE1}">
-              <a14:hiddenEffects xmlns:a14="http://schemas.microsoft.com/office/drawing/2010/main" xmlns="">
+              <a14:hiddenEffects xmlns="" xmlns:a14="http://schemas.microsoft.com/office/drawing/2010/main">
                 <a:effectLst>
                   <a:outerShdw dist="35921" dir="2700000" algn="ctr" rotWithShape="0">
                     <a:schemeClr val="bg2"/>
@@ -17805,7 +17659,7 @@
           <a:blip r:embed="rId2">
             <a:extLst>
               <a:ext uri="{28A0092B-C50C-407E-A947-70E740481C1C}">
-                <a14:useLocalDpi xmlns:a14="http://schemas.microsoft.com/office/drawing/2010/main" xmlns="" val="0"/>
+                <a14:useLocalDpi xmlns="" xmlns:a14="http://schemas.microsoft.com/office/drawing/2010/main" val="0"/>
               </a:ext>
             </a:extLst>
           </a:blip>
@@ -17825,7 +17679,7 @@
           <a:noFill/>
           <a:extLst>
             <a:ext uri="{909E8E84-426E-40DD-AFC4-6F175D3DCCD1}">
-              <a14:hiddenFill xmlns:a14="http://schemas.microsoft.com/office/drawing/2010/main" xmlns="">
+              <a14:hiddenFill xmlns="" xmlns:a14="http://schemas.microsoft.com/office/drawing/2010/main">
                 <a:solidFill>
                   <a:srgbClr val="FFFFFF"/>
                 </a:solidFill>
@@ -17851,11 +17705,7 @@
           <a:p>
             <a:r>
               <a:rPr lang="zh-TW" altLang="en-US" dirty="0" smtClean="0"/>
-              <a:t>個人</a:t>
-            </a:r>
-            <a:r>
-              <a:rPr lang="zh-TW" altLang="en-US" dirty="0" smtClean="0"/>
-              <a:t>簡介</a:t>
+              <a:t>個人簡介</a:t>
             </a:r>
             <a:endParaRPr lang="zh-TW" altLang="en-US" dirty="0"/>
           </a:p>
@@ -17899,8 +17749,32 @@
           <a:p>
             <a:r>
               <a:rPr lang="zh-TW" altLang="en-US" dirty="0"/>
-              <a:t>學歷：中正大學醫資所</a:t>
-            </a:r>
+              <a:t>學歷：中正大學醫資</a:t>
+            </a:r>
+            <a:r>
+              <a:rPr lang="zh-TW" altLang="en-US" dirty="0" smtClean="0"/>
+              <a:t>所</a:t>
+            </a:r>
+            <a:endParaRPr lang="en-US" altLang="zh-TW" dirty="0" smtClean="0"/>
+          </a:p>
+          <a:p>
+            <a:r>
+              <a:rPr lang="en-US" altLang="zh-TW" dirty="0" err="1" smtClean="0"/>
+              <a:t>Github</a:t>
+            </a:r>
+            <a:r>
+              <a:rPr lang="zh-TW" altLang="en-US" dirty="0" smtClean="0"/>
+              <a:t>：</a:t>
+            </a:r>
+            <a:r>
+              <a:rPr lang="en-US" altLang="zh-TW" dirty="0" err="1" smtClean="0">
+                <a:hlinkClick r:id="rId3"/>
+              </a:rPr>
+              <a:t>LezardYeh</a:t>
+            </a:r>
+            <a:endParaRPr lang="en-US" altLang="zh-TW" dirty="0" smtClean="0"/>
+          </a:p>
+          <a:p>
             <a:endParaRPr lang="en-US" altLang="zh-TW" dirty="0"/>
           </a:p>
           <a:p>
@@ -17914,7 +17788,7 @@
     </p:spTree>
     <p:extLst>
       <p:ext uri="{BB962C8B-B14F-4D97-AF65-F5344CB8AC3E}">
-        <p14:creationId xmlns:p14="http://schemas.microsoft.com/office/powerpoint/2010/main" xmlns="" val="2126688029"/>
+        <p14:creationId xmlns="" xmlns:p14="http://schemas.microsoft.com/office/powerpoint/2010/main" val="2126688029"/>
       </p:ext>
     </p:extLst>
   </p:cSld>
@@ -17995,19 +17869,7 @@
           <a:p>
             <a:r>
               <a:rPr lang="zh-TW" altLang="en-US" dirty="0" smtClean="0"/>
-              <a:t>應用</a:t>
-            </a:r>
-            <a:r>
-              <a:rPr lang="zh-TW" altLang="en-US" dirty="0" smtClean="0"/>
-              <a:t>前端工程</a:t>
-            </a:r>
-            <a:r>
-              <a:rPr lang="zh-TW" altLang="en-US" dirty="0" smtClean="0"/>
-              <a:t>達到</a:t>
-            </a:r>
-            <a:r>
-              <a:rPr lang="zh-TW" altLang="en-US" dirty="0" smtClean="0"/>
-              <a:t>：</a:t>
+              <a:t>應用前端工程達到：</a:t>
             </a:r>
             <a:endParaRPr lang="en-US" altLang="zh-TW" dirty="0" smtClean="0"/>
           </a:p>
@@ -18060,15 +17922,7 @@
           <a:p>
             <a:r>
               <a:rPr lang="zh-TW" altLang="en-US" dirty="0" smtClean="0"/>
-              <a:t>理解</a:t>
-            </a:r>
-            <a:r>
-              <a:rPr lang="zh-TW" altLang="en-US" dirty="0" smtClean="0"/>
-              <a:t>基本原理和觀念才是重點</a:t>
-            </a:r>
-            <a:r>
-              <a:rPr lang="zh-TW" altLang="en-US" dirty="0" smtClean="0"/>
-              <a:t>，不要只會套用元件</a:t>
+              <a:t>理解基本原理和觀念才是重點，不要只會套用元件</a:t>
             </a:r>
             <a:endParaRPr lang="en-US" altLang="zh-TW" dirty="0" smtClean="0"/>
           </a:p>
@@ -18143,7 +17997,19 @@
           <a:p>
             <a:r>
               <a:rPr lang="zh-TW" altLang="en-US" dirty="0" smtClean="0"/>
-              <a:t>感謝大家的聆聽</a:t>
+              <a:t>感謝大家的</a:t>
+            </a:r>
+            <a:r>
+              <a:rPr lang="zh-TW" altLang="en-US" dirty="0" smtClean="0"/>
+              <a:t>聆聽！有</a:t>
+            </a:r>
+            <a:r>
+              <a:rPr lang="zh-TW" altLang="en-US" dirty="0" smtClean="0"/>
+              <a:t>任何問題</a:t>
+            </a:r>
+            <a:r>
+              <a:rPr lang="zh-TW" altLang="en-US" dirty="0" smtClean="0"/>
+              <a:t>歡迎提問！</a:t>
             </a:r>
             <a:r>
               <a:rPr lang="en-US" altLang="zh-TW" dirty="0" smtClean="0"/>
@@ -18160,12 +18026,16 @@
               <a:rPr lang="en-US" altLang="zh-TW" dirty="0" smtClean="0"/>
             </a:br>
             <a:r>
-              <a:rPr lang="zh-TW" altLang="en-US" dirty="0" smtClean="0"/>
-              <a:t>有任何問題歡迎加</a:t>
-            </a:r>
-            <a:r>
               <a:rPr lang="en-US" altLang="zh-TW" dirty="0" smtClean="0"/>
-              <a:t>LINE:</a:t>
+              <a:t>LINE</a:t>
+            </a:r>
+            <a:r>
+              <a:rPr lang="zh-TW" altLang="en-US" dirty="0" smtClean="0"/>
+              <a:t> </a:t>
+            </a:r>
+            <a:r>
+              <a:rPr lang="en-US" altLang="zh-TW" dirty="0" smtClean="0"/>
+              <a:t>:</a:t>
             </a:r>
             <a:r>
               <a:rPr lang="zh-TW" altLang="en-US" dirty="0" smtClean="0"/>
@@ -18174,6 +18044,56 @@
             <a:r>
               <a:rPr lang="en-US" altLang="zh-TW" dirty="0" smtClean="0"/>
               <a:t>se2412000</a:t>
+            </a:r>
+            <a:br>
+              <a:rPr lang="en-US" altLang="zh-TW" dirty="0" smtClean="0"/>
+            </a:br>
+            <a:r>
+              <a:rPr lang="en-US" altLang="zh-TW" dirty="0" smtClean="0"/>
+              <a:t/>
+            </a:r>
+            <a:br>
+              <a:rPr lang="en-US" altLang="zh-TW" dirty="0" smtClean="0"/>
+            </a:br>
+            <a:r>
+              <a:rPr lang="zh-TW" altLang="en-US" dirty="0" smtClean="0"/>
+              <a:t>檔案下載：</a:t>
+            </a:r>
+            <a:r>
+              <a:rPr lang="en-US" altLang="zh-TW" dirty="0" smtClean="0"/>
+              <a:t/>
+            </a:r>
+            <a:br>
+              <a:rPr lang="en-US" altLang="zh-TW" dirty="0" smtClean="0"/>
+            </a:br>
+            <a:r>
+              <a:rPr lang="en-US" altLang="zh-TW" sz="2700" dirty="0" smtClean="0">
+                <a:hlinkClick r:id="rId2"/>
+              </a:rPr>
+              <a:t>https</a:t>
+            </a:r>
+            <a:r>
+              <a:rPr lang="en-US" altLang="zh-TW" sz="2700" dirty="0" smtClean="0">
+                <a:hlinkClick r:id="rId2"/>
+              </a:rPr>
+              <a:t>://</a:t>
+            </a:r>
+            <a:r>
+              <a:rPr lang="en-US" altLang="zh-TW" sz="2700" dirty="0" smtClean="0">
+                <a:hlinkClick r:id="rId2"/>
+              </a:rPr>
+              <a:t>github.com/LezardYeh/f2e-ccu-speech</a:t>
+            </a:r>
+            <a:r>
+              <a:rPr lang="en-US" altLang="zh-TW" dirty="0" smtClean="0"/>
+              <a:t/>
+            </a:r>
+            <a:br>
+              <a:rPr lang="en-US" altLang="zh-TW" dirty="0" smtClean="0"/>
+            </a:br>
+            <a:r>
+              <a:rPr lang="en-US" altLang="zh-TW" dirty="0" smtClean="0"/>
+              <a:t/>
             </a:r>
             <a:br>
               <a:rPr lang="en-US" altLang="zh-TW" dirty="0" smtClean="0"/>
@@ -18182,6 +18102,32 @@
           </a:p>
         </p:txBody>
       </p:sp>
+      <p:pic>
+        <p:nvPicPr>
+          <p:cNvPr id="2050" name="Picture 2" descr="https://avatars3.githubusercontent.com/u/13941339?v=3&amp;s=460"/>
+          <p:cNvPicPr>
+            <a:picLocks noChangeAspect="1" noChangeArrowheads="1"/>
+          </p:cNvPicPr>
+          <p:nvPr/>
+        </p:nvPicPr>
+        <p:blipFill>
+          <a:blip r:embed="rId3"/>
+          <a:srcRect/>
+          <a:stretch>
+            <a:fillRect/>
+          </a:stretch>
+        </p:blipFill>
+        <p:spPr bwMode="auto">
+          <a:xfrm>
+            <a:off x="9888855" y="4399280"/>
+            <a:ext cx="1983422" cy="1983423"/>
+          </a:xfrm>
+          <a:prstGeom prst="rect">
+            <a:avLst/>
+          </a:prstGeom>
+          <a:noFill/>
+        </p:spPr>
+      </p:pic>
     </p:spTree>
   </p:cSld>
   <p:clrMapOvr>
@@ -18322,7 +18268,7 @@
     </p:spTree>
     <p:extLst>
       <p:ext uri="{BB962C8B-B14F-4D97-AF65-F5344CB8AC3E}">
-        <p14:creationId xmlns:p14="http://schemas.microsoft.com/office/powerpoint/2010/main" xmlns="" val="4000243571"/>
+        <p14:creationId xmlns="" xmlns:p14="http://schemas.microsoft.com/office/powerpoint/2010/main" val="4000243571"/>
       </p:ext>
     </p:extLst>
   </p:cSld>
@@ -18519,7 +18465,7 @@
           <a:blip r:embed="rId2">
             <a:extLst>
               <a:ext uri="{28A0092B-C50C-407E-A947-70E740481C1C}">
-                <a14:useLocalDpi xmlns:a14="http://schemas.microsoft.com/office/drawing/2010/main" xmlns="" val="0"/>
+                <a14:useLocalDpi xmlns="" xmlns:a14="http://schemas.microsoft.com/office/drawing/2010/main" val="0"/>
               </a:ext>
             </a:extLst>
           </a:blip>
@@ -18543,14 +18489,14 @@
           <a:effectLst/>
           <a:extLst>
             <a:ext uri="{909E8E84-426E-40DD-AFC4-6F175D3DCCD1}">
-              <a14:hiddenFill xmlns:a14="http://schemas.microsoft.com/office/drawing/2010/main" xmlns="">
+              <a14:hiddenFill xmlns="" xmlns:a14="http://schemas.microsoft.com/office/drawing/2010/main">
                 <a:solidFill>
                   <a:schemeClr val="accent1"/>
                 </a:solidFill>
               </a14:hiddenFill>
             </a:ext>
             <a:ext uri="{91240B29-F687-4F45-9708-019B960494DF}">
-              <a14:hiddenLine xmlns:a14="http://schemas.microsoft.com/office/drawing/2010/main" xmlns="" w="9525">
+              <a14:hiddenLine xmlns="" xmlns:a14="http://schemas.microsoft.com/office/drawing/2010/main" w="9525">
                 <a:solidFill>
                   <a:schemeClr val="tx1"/>
                 </a:solidFill>
@@ -18560,7 +18506,7 @@
               </a14:hiddenLine>
             </a:ext>
             <a:ext uri="{AF507438-7753-43E0-B8FC-AC1667EBCBE1}">
-              <a14:hiddenEffects xmlns:a14="http://schemas.microsoft.com/office/drawing/2010/main" xmlns="">
+              <a14:hiddenEffects xmlns="" xmlns:a14="http://schemas.microsoft.com/office/drawing/2010/main">
                 <a:effectLst>
                   <a:outerShdw dist="35921" dir="2700000" algn="ctr" rotWithShape="0">
                     <a:schemeClr val="bg2"/>
@@ -18574,7 +18520,7 @@
     </p:spTree>
     <p:extLst>
       <p:ext uri="{BB962C8B-B14F-4D97-AF65-F5344CB8AC3E}">
-        <p14:creationId xmlns:p14="http://schemas.microsoft.com/office/powerpoint/2010/main" xmlns="" val="430885548"/>
+        <p14:creationId xmlns="" xmlns:p14="http://schemas.microsoft.com/office/powerpoint/2010/main" val="430885548"/>
       </p:ext>
     </p:extLst>
   </p:cSld>
@@ -18620,7 +18566,7 @@
           <a:blip r:embed="rId2" cstate="print">
             <a:extLst>
               <a:ext uri="{28A0092B-C50C-407E-A947-70E740481C1C}">
-                <a14:useLocalDpi xmlns:a14="http://schemas.microsoft.com/office/drawing/2010/main" xmlns="" val="0"/>
+                <a14:useLocalDpi xmlns="" xmlns:a14="http://schemas.microsoft.com/office/drawing/2010/main" val="0"/>
               </a:ext>
             </a:extLst>
           </a:blip>
@@ -18650,7 +18596,7 @@
           <a:blip r:embed="rId3" cstate="print">
             <a:extLst>
               <a:ext uri="{28A0092B-C50C-407E-A947-70E740481C1C}">
-                <a14:useLocalDpi xmlns:a14="http://schemas.microsoft.com/office/drawing/2010/main" xmlns="" val="0"/>
+                <a14:useLocalDpi xmlns="" xmlns:a14="http://schemas.microsoft.com/office/drawing/2010/main" val="0"/>
               </a:ext>
             </a:extLst>
           </a:blip>
@@ -18670,7 +18616,7 @@
           <a:noFill/>
           <a:extLst>
             <a:ext uri="{909E8E84-426E-40DD-AFC4-6F175D3DCCD1}">
-              <a14:hiddenFill xmlns:a14="http://schemas.microsoft.com/office/drawing/2010/main" xmlns="">
+              <a14:hiddenFill xmlns="" xmlns:a14="http://schemas.microsoft.com/office/drawing/2010/main">
                 <a:solidFill>
                   <a:srgbClr val="FFFFFF"/>
                 </a:solidFill>
@@ -19830,7 +19776,7 @@
     </p:spTree>
     <p:extLst>
       <p:ext uri="{BB962C8B-B14F-4D97-AF65-F5344CB8AC3E}">
-        <p14:creationId xmlns:p14="http://schemas.microsoft.com/office/powerpoint/2010/main" xmlns="" val="377020745"/>
+        <p14:creationId xmlns="" xmlns:p14="http://schemas.microsoft.com/office/powerpoint/2010/main" val="377020745"/>
       </p:ext>
     </p:extLst>
   </p:cSld>
@@ -19994,7 +19940,7 @@
     </p:spTree>
     <p:extLst>
       <p:ext uri="{BB962C8B-B14F-4D97-AF65-F5344CB8AC3E}">
-        <p14:creationId xmlns:p14="http://schemas.microsoft.com/office/powerpoint/2010/main" xmlns="" val="1167372307"/>
+        <p14:creationId xmlns="" xmlns:p14="http://schemas.microsoft.com/office/powerpoint/2010/main" val="1167372307"/>
       </p:ext>
     </p:extLst>
   </p:cSld>
@@ -20162,7 +20108,7 @@
           <a:blip r:embed="rId2">
             <a:extLst>
               <a:ext uri="{28A0092B-C50C-407E-A947-70E740481C1C}">
-                <a14:useLocalDpi xmlns:a14="http://schemas.microsoft.com/office/drawing/2010/main" xmlns="" val="0"/>
+                <a14:useLocalDpi xmlns="" xmlns:a14="http://schemas.microsoft.com/office/drawing/2010/main" val="0"/>
               </a:ext>
             </a:extLst>
           </a:blip>
@@ -20182,7 +20128,7 @@
           <a:noFill/>
           <a:extLst>
             <a:ext uri="{909E8E84-426E-40DD-AFC4-6F175D3DCCD1}">
-              <a14:hiddenFill xmlns:a14="http://schemas.microsoft.com/office/drawing/2010/main" xmlns="">
+              <a14:hiddenFill xmlns="" xmlns:a14="http://schemas.microsoft.com/office/drawing/2010/main">
                 <a:solidFill>
                   <a:srgbClr val="FFFFFF"/>
                 </a:solidFill>
@@ -20210,7 +20156,7 @@
           <a:noFill/>
           <a:extLst>
             <a:ext uri="{909E8E84-426E-40DD-AFC4-6F175D3DCCD1}">
-              <a14:hiddenFill xmlns:a14="http://schemas.microsoft.com/office/drawing/2010/main" xmlns="">
+              <a14:hiddenFill xmlns="" xmlns:a14="http://schemas.microsoft.com/office/drawing/2010/main">
                 <a:solidFill>
                   <a:srgbClr val="FFFFFF"/>
                 </a:solidFill>
@@ -20242,7 +20188,7 @@
           <a:blip r:embed="rId3">
             <a:extLst>
               <a:ext uri="{28A0092B-C50C-407E-A947-70E740481C1C}">
-                <a14:useLocalDpi xmlns:a14="http://schemas.microsoft.com/office/drawing/2010/main" xmlns="" val="0"/>
+                <a14:useLocalDpi xmlns="" xmlns:a14="http://schemas.microsoft.com/office/drawing/2010/main" val="0"/>
               </a:ext>
             </a:extLst>
           </a:blip>
@@ -20262,7 +20208,7 @@
           <a:noFill/>
           <a:extLst>
             <a:ext uri="{909E8E84-426E-40DD-AFC4-6F175D3DCCD1}">
-              <a14:hiddenFill xmlns:a14="http://schemas.microsoft.com/office/drawing/2010/main" xmlns="">
+              <a14:hiddenFill xmlns="" xmlns:a14="http://schemas.microsoft.com/office/drawing/2010/main">
                 <a:solidFill>
                   <a:srgbClr val="FFFFFF"/>
                 </a:solidFill>
@@ -20274,7 +20220,7 @@
     </p:spTree>
     <p:extLst>
       <p:ext uri="{BB962C8B-B14F-4D97-AF65-F5344CB8AC3E}">
-        <p14:creationId xmlns:p14="http://schemas.microsoft.com/office/powerpoint/2010/main" xmlns="" val="3948378796"/>
+        <p14:creationId xmlns="" xmlns:p14="http://schemas.microsoft.com/office/powerpoint/2010/main" val="3948378796"/>
       </p:ext>
     </p:extLst>
   </p:cSld>
@@ -20521,7 +20467,7 @@
     </p:spTree>
     <p:extLst>
       <p:ext uri="{BB962C8B-B14F-4D97-AF65-F5344CB8AC3E}">
-        <p14:creationId xmlns:p14="http://schemas.microsoft.com/office/powerpoint/2010/main" xmlns="" val="2510926440"/>
+        <p14:creationId xmlns="" xmlns:p14="http://schemas.microsoft.com/office/powerpoint/2010/main" val="2510926440"/>
       </p:ext>
     </p:extLst>
   </p:cSld>
@@ -20775,7 +20721,7 @@
   <a:extraClrSchemeLst/>
   <a:extLst>
     <a:ext uri="{05A4C25C-085E-4340-85A3-A5531E510DB2}">
-      <thm15:themeFamily xmlns="" xmlns:thm15="http://schemas.microsoft.com/office/thememl/2012/main" name="Wisp" id="{7CB32D59-10C0-40DD-B7BD-2E94284A981C}" vid="{24B1A44C-C006-48B2-A4D7-E5549B3D8CD4}"/>
+      <thm15:themeFamily xmlns:thm15="http://schemas.microsoft.com/office/thememl/2012/main" xmlns="" name="Wisp" id="{7CB32D59-10C0-40DD-B7BD-2E94284A981C}" vid="{24B1A44C-C006-48B2-A4D7-E5549B3D8CD4}"/>
     </a:ext>
   </a:extLst>
 </a:theme>

--- a/f2e.pptx
+++ b/f2e.pptx
@@ -16774,19 +16774,27 @@
             </a:r>
             <a:r>
               <a:rPr lang="en-US" altLang="zh-TW" dirty="0" smtClean="0"/>
-              <a:t>(opacity)</a:t>
-            </a:r>
-            <a:r>
-              <a:rPr lang="zh-TW" altLang="en-US" dirty="0" smtClean="0"/>
-              <a:t>；</a:t>
+              <a:t>(</a:t>
+            </a:r>
+            <a:r>
+              <a:rPr lang="en-US" altLang="zh-TW" dirty="0" smtClean="0"/>
+              <a:t>opacity)</a:t>
+            </a:r>
+            <a:r>
+              <a:rPr lang="zh-TW" altLang="en-US" dirty="0" smtClean="0"/>
+              <a:t>，</a:t>
             </a:r>
             <a:r>
               <a:rPr lang="en-US" altLang="zh-TW" dirty="0" smtClean="0"/>
               <a:t>click</a:t>
             </a:r>
             <a:r>
-              <a:rPr lang="zh-TW" altLang="en-US" dirty="0" smtClean="0"/>
-              <a:t>的目標就是</a:t>
+              <a:rPr lang="zh-TW" altLang="en-US" smtClean="0"/>
+              <a:t>的</a:t>
+            </a:r>
+            <a:r>
+              <a:rPr lang="zh-TW" altLang="en-US" smtClean="0"/>
+              <a:t>目標依舊是</a:t>
             </a:r>
             <a:r>
               <a:rPr lang="en-US" altLang="zh-TW" dirty="0" smtClean="0"/>

--- a/f2e.pptx
+++ b/f2e.pptx
@@ -14231,8 +14231,8 @@
           </p:nvPr>
         </p:nvGraphicFramePr>
         <p:xfrm>
-          <a:off x="1739392" y="1908386"/>
-          <a:ext cx="9333992" cy="3759200"/>
+          <a:off x="1708912" y="1471506"/>
+          <a:ext cx="9333992" cy="4871720"/>
         </p:xfrm>
         <a:graphic>
           <a:graphicData uri="http://schemas.openxmlformats.org/drawingml/2006/table">
@@ -14548,6 +14548,68 @@
                     <a:p>
                       <a:r>
                         <a:rPr lang="en-US" altLang="zh-TW" dirty="0" smtClean="0"/>
+                        <a:t>z-index</a:t>
+                      </a:r>
+                      <a:endParaRPr lang="zh-TW" altLang="en-US" dirty="0"/>
+                    </a:p>
+                  </a:txBody>
+                  <a:tcPr/>
+                </a:tc>
+                <a:tc>
+                  <a:txBody>
+                    <a:bodyPr/>
+                    <a:lstStyle/>
+                    <a:p>
+                      <a:r>
+                        <a:rPr lang="en-US" altLang="zh-TW" dirty="0" smtClean="0"/>
+                        <a:t>Integer</a:t>
+                      </a:r>
+                      <a:endParaRPr lang="zh-TW" altLang="en-US" dirty="0"/>
+                    </a:p>
+                  </a:txBody>
+                  <a:tcPr/>
+                </a:tc>
+                <a:tc>
+                  <a:txBody>
+                    <a:bodyPr/>
+                    <a:lstStyle/>
+                    <a:p>
+                      <a:r>
+                        <a:rPr lang="en-US" altLang="zh-TW" dirty="0" smtClean="0"/>
+                        <a:t>z</a:t>
+                      </a:r>
+                      <a:r>
+                        <a:rPr lang="zh-TW" altLang="en-US" dirty="0" smtClean="0"/>
+                        <a:t>軸方向位置，越大越上層</a:t>
+                      </a:r>
+                      <a:endParaRPr lang="zh-TW" altLang="en-US" dirty="0"/>
+                    </a:p>
+                  </a:txBody>
+                  <a:tcPr/>
+                </a:tc>
+                <a:tc>
+                  <a:txBody>
+                    <a:bodyPr/>
+                    <a:lstStyle/>
+                    <a:p>
+                      <a:r>
+                        <a:rPr lang="en-US" altLang="zh-TW" dirty="0" smtClean="0"/>
+                        <a:t>z-index:10;</a:t>
+                      </a:r>
+                      <a:endParaRPr lang="zh-TW" altLang="en-US" dirty="0"/>
+                    </a:p>
+                  </a:txBody>
+                  <a:tcPr/>
+                </a:tc>
+              </a:tr>
+              <a:tr h="370840">
+                <a:tc>
+                  <a:txBody>
+                    <a:bodyPr/>
+                    <a:lstStyle/>
+                    <a:p>
+                      <a:r>
+                        <a:rPr lang="en-US" altLang="zh-TW" dirty="0" smtClean="0"/>
                         <a:t>margin</a:t>
                       </a:r>
                       <a:endParaRPr lang="zh-TW" altLang="en-US" dirty="0"/>
@@ -14591,6 +14653,126 @@
                       <a:r>
                         <a:rPr lang="en-US" altLang="zh-TW" dirty="0" smtClean="0"/>
                         <a:t>margin: 0 auto;</a:t>
+                      </a:r>
+                      <a:endParaRPr lang="zh-TW" altLang="en-US" dirty="0"/>
+                    </a:p>
+                  </a:txBody>
+                  <a:tcPr/>
+                </a:tc>
+              </a:tr>
+              <a:tr h="370840">
+                <a:tc rowSpan="2">
+                  <a:txBody>
+                    <a:bodyPr/>
+                    <a:lstStyle/>
+                    <a:p>
+                      <a:r>
+                        <a:rPr lang="en-US" altLang="zh-TW" dirty="0" smtClean="0"/>
+                        <a:t>float</a:t>
+                      </a:r>
+                      <a:endParaRPr lang="zh-TW" altLang="en-US" dirty="0"/>
+                    </a:p>
+                  </a:txBody>
+                  <a:tcPr/>
+                </a:tc>
+                <a:tc>
+                  <a:txBody>
+                    <a:bodyPr/>
+                    <a:lstStyle/>
+                    <a:p>
+                      <a:r>
+                        <a:rPr lang="en-US" altLang="zh-TW" dirty="0" smtClean="0"/>
+                        <a:t>left;</a:t>
+                      </a:r>
+                      <a:endParaRPr lang="zh-TW" altLang="en-US" dirty="0"/>
+                    </a:p>
+                  </a:txBody>
+                  <a:tcPr/>
+                </a:tc>
+                <a:tc>
+                  <a:txBody>
+                    <a:bodyPr/>
+                    <a:lstStyle/>
+                    <a:p>
+                      <a:r>
+                        <a:rPr lang="zh-TW" altLang="en-US" dirty="0" smtClean="0"/>
+                        <a:t>向左浮動</a:t>
+                      </a:r>
+                      <a:endParaRPr lang="zh-TW" altLang="en-US" dirty="0"/>
+                    </a:p>
+                  </a:txBody>
+                  <a:tcPr/>
+                </a:tc>
+                <a:tc>
+                  <a:txBody>
+                    <a:bodyPr/>
+                    <a:lstStyle/>
+                    <a:p>
+                      <a:r>
+                        <a:rPr lang="en-US" altLang="zh-TW" dirty="0" err="1" smtClean="0"/>
+                        <a:t>float:left</a:t>
+                      </a:r>
+                      <a:r>
+                        <a:rPr lang="en-US" altLang="zh-TW" dirty="0" smtClean="0"/>
+                        <a:t>;</a:t>
+                      </a:r>
+                      <a:endParaRPr lang="zh-TW" altLang="en-US" dirty="0"/>
+                    </a:p>
+                  </a:txBody>
+                  <a:tcPr/>
+                </a:tc>
+              </a:tr>
+              <a:tr h="370840">
+                <a:tc vMerge="1">
+                  <a:txBody>
+                    <a:bodyPr/>
+                    <a:lstStyle/>
+                    <a:p>
+                      <a:endParaRPr lang="zh-TW" altLang="en-US" dirty="0"/>
+                    </a:p>
+                  </a:txBody>
+                  <a:tcPr/>
+                </a:tc>
+                <a:tc>
+                  <a:txBody>
+                    <a:bodyPr/>
+                    <a:lstStyle/>
+                    <a:p>
+                      <a:r>
+                        <a:rPr lang="en-US" altLang="zh-TW" dirty="0" smtClean="0"/>
+                        <a:t>right</a:t>
+                      </a:r>
+                      <a:endParaRPr lang="zh-TW" altLang="en-US" dirty="0"/>
+                    </a:p>
+                  </a:txBody>
+                  <a:tcPr/>
+                </a:tc>
+                <a:tc>
+                  <a:txBody>
+                    <a:bodyPr/>
+                    <a:lstStyle/>
+                    <a:p>
+                      <a:r>
+                        <a:rPr lang="zh-TW" altLang="en-US" dirty="0" smtClean="0"/>
+                        <a:t>向右浮動</a:t>
+                      </a:r>
+                      <a:endParaRPr lang="zh-TW" altLang="en-US" dirty="0"/>
+                    </a:p>
+                  </a:txBody>
+                  <a:tcPr/>
+                </a:tc>
+                <a:tc>
+                  <a:txBody>
+                    <a:bodyPr/>
+                    <a:lstStyle/>
+                    <a:p>
+                      <a:r>
+                        <a:rPr lang="en-US" altLang="zh-TW" dirty="0" err="1" smtClean="0"/>
+                        <a:t>float:right</a:t>
+                      </a:r>
+                      <a:r>
+                        <a:rPr lang="en-US" altLang="zh-TW" dirty="0" smtClean="0"/>
+                        <a:t>;</a:t>
                       </a:r>
                       <a:endParaRPr lang="zh-TW" altLang="en-US" dirty="0"/>
                     </a:p>
@@ -16687,22 +16869,11 @@
           <a:p>
             <a:r>
               <a:rPr lang="zh-TW" altLang="en-US" dirty="0" smtClean="0"/>
-              <a:t>光用</a:t>
-            </a:r>
-            <a:r>
-              <a:rPr lang="en-US" altLang="zh-TW" dirty="0" smtClean="0"/>
-              <a:t>JS</a:t>
-            </a:r>
-            <a:r>
-              <a:rPr lang="zh-TW" altLang="en-US" dirty="0" smtClean="0"/>
-              <a:t>無法解決問題</a:t>
-            </a:r>
-            <a:endParaRPr lang="en-US" altLang="zh-TW" dirty="0" smtClean="0"/>
-          </a:p>
-          <a:p>
-            <a:r>
-              <a:rPr lang="zh-TW" altLang="en-US" dirty="0" smtClean="0"/>
-              <a:t>解決方法：</a:t>
+              <a:t>解決</a:t>
+            </a:r>
+            <a:r>
+              <a:rPr lang="zh-TW" altLang="en-US" dirty="0" smtClean="0"/>
+              <a:t>方法：</a:t>
             </a:r>
             <a:endParaRPr lang="en-US" altLang="zh-TW" dirty="0" smtClean="0"/>
           </a:p>
@@ -16748,12 +16919,13 @@
             </a:r>
             <a:r>
               <a:rPr lang="zh-TW" altLang="en-US" dirty="0" smtClean="0"/>
-              <a:t>按鈕上 </a:t>
-            </a:r>
-            <a:r>
-              <a:rPr lang="en-US" altLang="zh-TW" dirty="0" smtClean="0"/>
-              <a:t>(position)</a:t>
-            </a:r>
+              <a:t>按鈕</a:t>
+            </a:r>
+            <a:r>
+              <a:rPr lang="zh-TW" altLang="en-US" dirty="0" smtClean="0"/>
+              <a:t>上</a:t>
+            </a:r>
+            <a:endParaRPr lang="en-US" altLang="zh-TW" dirty="0" smtClean="0"/>
           </a:p>
           <a:p>
             <a:pPr marL="800100" lvl="1" indent="-342900">
@@ -16773,14 +16945,6 @@
               <a:t>變成透明 </a:t>
             </a:r>
             <a:r>
-              <a:rPr lang="en-US" altLang="zh-TW" dirty="0" smtClean="0"/>
-              <a:t>(</a:t>
-            </a:r>
-            <a:r>
-              <a:rPr lang="en-US" altLang="zh-TW" dirty="0" smtClean="0"/>
-              <a:t>opacity)</a:t>
-            </a:r>
-            <a:r>
               <a:rPr lang="zh-TW" altLang="en-US" dirty="0" smtClean="0"/>
               <a:t>，</a:t>
             </a:r>
@@ -16789,11 +16953,11 @@
               <a:t>click</a:t>
             </a:r>
             <a:r>
-              <a:rPr lang="zh-TW" altLang="en-US" smtClean="0"/>
+              <a:rPr lang="zh-TW" altLang="en-US" dirty="0" smtClean="0"/>
               <a:t>的</a:t>
             </a:r>
             <a:r>
-              <a:rPr lang="zh-TW" altLang="en-US" smtClean="0"/>
+              <a:rPr lang="zh-TW" altLang="en-US" dirty="0" smtClean="0"/>
               <a:t>目標依舊是</a:t>
             </a:r>
             <a:r>
@@ -16824,15 +16988,11 @@
             </a:r>
             <a:r>
               <a:rPr lang="zh-TW" altLang="en-US" dirty="0" smtClean="0"/>
-              <a:t>註冊事件，彈出「我已經被</a:t>
-            </a:r>
-            <a:r>
-              <a:rPr lang="en-US" altLang="zh-TW" dirty="0" smtClean="0"/>
-              <a:t>disabled</a:t>
-            </a:r>
-            <a:r>
-              <a:rPr lang="zh-TW" altLang="en-US" dirty="0" smtClean="0"/>
-              <a:t>了」</a:t>
+              <a:t>註冊</a:t>
+            </a:r>
+            <a:r>
+              <a:rPr lang="zh-TW" altLang="en-US" dirty="0" smtClean="0"/>
+              <a:t>事件</a:t>
             </a:r>
             <a:endParaRPr lang="en-US" altLang="zh-TW" dirty="0" smtClean="0"/>
           </a:p>
@@ -17877,7 +18037,15 @@
           <a:p>
             <a:r>
               <a:rPr lang="zh-TW" altLang="en-US" dirty="0" smtClean="0"/>
-              <a:t>應用前端工程達到：</a:t>
+              <a:t>前</a:t>
+            </a:r>
+            <a:r>
+              <a:rPr lang="zh-TW" altLang="en-US" dirty="0" smtClean="0"/>
+              <a:t>端</a:t>
+            </a:r>
+            <a:r>
+              <a:rPr lang="zh-TW" altLang="en-US" dirty="0" smtClean="0"/>
+              <a:t>工程的目的：</a:t>
             </a:r>
             <a:endParaRPr lang="en-US" altLang="zh-TW" dirty="0" smtClean="0"/>
           </a:p>

--- a/f2e.pptx
+++ b/f2e.pptx
@@ -14311,8 +14311,12 @@
                     <a:lstStyle/>
                     <a:p>
                       <a:r>
-                        <a:rPr lang="en-US" altLang="zh-TW" dirty="0" smtClean="0"/>
+                        <a:rPr lang="en-US" altLang="zh-TW" smtClean="0"/>
                         <a:t>position </a:t>
+                      </a:r>
+                      <a:r>
+                        <a:rPr lang="en-US" altLang="zh-TW" smtClean="0"/>
+                        <a:t>  </a:t>
                       </a:r>
                       <a:endParaRPr lang="zh-TW" altLang="en-US" dirty="0"/>
                     </a:p>

--- a/f2e.pptx
+++ b/f2e.pptx
@@ -14311,11 +14311,11 @@
                     <a:lstStyle/>
                     <a:p>
                       <a:r>
-                        <a:rPr lang="en-US" altLang="zh-TW" smtClean="0"/>
+                        <a:rPr lang="en-US" altLang="zh-TW" dirty="0" smtClean="0"/>
                         <a:t>position </a:t>
                       </a:r>
                       <a:r>
-                        <a:rPr lang="en-US" altLang="zh-TW" smtClean="0"/>
+                        <a:rPr lang="en-US" altLang="zh-TW" dirty="0" smtClean="0"/>
                         <a:t>  </a:t>
                       </a:r>
                       <a:endParaRPr lang="zh-TW" altLang="en-US" dirty="0"/>
